--- a/2018Q2/TGIF/TGIP_June6.pptx
+++ b/2018Q2/TGIF/TGIP_June6.pptx
@@ -6,7 +6,17 @@
   </p:sldMasterIdLst>
   <p:sldIdLst>
     <p:sldId id="256" r:id="rId2"/>
-    <p:sldId id="257" r:id="rId3"/>
+    <p:sldId id="265" r:id="rId3"/>
+    <p:sldId id="267" r:id="rId4"/>
+    <p:sldId id="266" r:id="rId5"/>
+    <p:sldId id="261" r:id="rId6"/>
+    <p:sldId id="259" r:id="rId7"/>
+    <p:sldId id="257" r:id="rId8"/>
+    <p:sldId id="262" r:id="rId9"/>
+    <p:sldId id="263" r:id="rId10"/>
+    <p:sldId id="258" r:id="rId11"/>
+    <p:sldId id="260" r:id="rId12"/>
+    <p:sldId id="264" r:id="rId13"/>
   </p:sldIdLst>
   <p:sldSz cx="12192000" cy="6858000"/>
   <p:notesSz cx="6858000" cy="9144000"/>
@@ -105,6 +115,11 @@
       </a:defRPr>
     </a:lvl9pPr>
   </p:defaultTextStyle>
+  <p:extLst>
+    <p:ext uri="{EFAFB233-063F-42B5-8137-9DF3F51BA10A}">
+      <p15:sldGuideLst xmlns:p15="http://schemas.microsoft.com/office/powerpoint/2012/main"/>
+    </p:ext>
+  </p:extLst>
 </p:presentation>
 </file>
 
@@ -3061,6 +3076,332 @@
 </p:sld>
 </file>
 
+<file path=ppt/slides/slide10.xml><?xml version="1.0" encoding="utf-8"?>
+<p:sld xmlns:a="http://schemas.openxmlformats.org/drawingml/2006/main" xmlns:r="http://schemas.openxmlformats.org/officeDocument/2006/relationships" xmlns:p="http://schemas.openxmlformats.org/presentationml/2006/main">
+  <p:cSld>
+    <p:spTree>
+      <p:nvGrpSpPr>
+        <p:cNvPr id="1" name=""/>
+        <p:cNvGrpSpPr/>
+        <p:nvPr/>
+      </p:nvGrpSpPr>
+      <p:grpSpPr>
+        <a:xfrm>
+          <a:off x="0" y="0"/>
+          <a:ext cx="0" cy="0"/>
+          <a:chOff x="0" y="0"/>
+          <a:chExt cx="0" cy="0"/>
+        </a:xfrm>
+      </p:grpSpPr>
+      <p:sp>
+        <p:nvSpPr>
+          <p:cNvPr id="2" name="标题 1"/>
+          <p:cNvSpPr>
+            <a:spLocks noGrp="1"/>
+          </p:cNvSpPr>
+          <p:nvPr>
+            <p:ph type="title"/>
+          </p:nvPr>
+        </p:nvSpPr>
+        <p:spPr/>
+        <p:txBody>
+          <a:bodyPr/>
+          <a:lstStyle/>
+          <a:p>
+            <a:r>
+              <a:rPr lang="zh-CN" altLang="en-US" dirty="0" smtClean="0"/>
+              <a:t>电梯谜题</a:t>
+            </a:r>
+            <a:endParaRPr lang="zh-CN" altLang="en-US" dirty="0"/>
+          </a:p>
+        </p:txBody>
+      </p:sp>
+      <p:sp>
+        <p:nvSpPr>
+          <p:cNvPr id="3" name="内容占位符 2"/>
+          <p:cNvSpPr>
+            <a:spLocks noGrp="1"/>
+          </p:cNvSpPr>
+          <p:nvPr>
+            <p:ph idx="1"/>
+          </p:nvPr>
+        </p:nvSpPr>
+        <p:spPr/>
+        <p:txBody>
+          <a:bodyPr/>
+          <a:lstStyle/>
+          <a:p>
+            <a:endParaRPr lang="zh-CN" altLang="en-US"/>
+          </a:p>
+        </p:txBody>
+      </p:sp>
+      <p:pic>
+        <p:nvPicPr>
+          <p:cNvPr id="4" name="图片 3"/>
+          <p:cNvPicPr>
+            <a:picLocks noChangeAspect="1"/>
+          </p:cNvPicPr>
+          <p:nvPr/>
+        </p:nvPicPr>
+        <p:blipFill>
+          <a:blip r:embed="rId2"/>
+          <a:stretch>
+            <a:fillRect/>
+          </a:stretch>
+        </p:blipFill>
+        <p:spPr>
+          <a:xfrm>
+            <a:off x="1267429" y="1825625"/>
+            <a:ext cx="8219382" cy="3501749"/>
+          </a:xfrm>
+          <a:prstGeom prst="rect">
+            <a:avLst/>
+          </a:prstGeom>
+        </p:spPr>
+      </p:pic>
+    </p:spTree>
+    <p:extLst>
+      <p:ext uri="{BB962C8B-B14F-4D97-AF65-F5344CB8AC3E}">
+        <p14:creationId xmlns:p14="http://schemas.microsoft.com/office/powerpoint/2010/main" val="2001830278"/>
+      </p:ext>
+    </p:extLst>
+  </p:cSld>
+  <p:clrMapOvr>
+    <a:masterClrMapping/>
+  </p:clrMapOvr>
+</p:sld>
+</file>
+
+<file path=ppt/slides/slide11.xml><?xml version="1.0" encoding="utf-8"?>
+<p:sld xmlns:a="http://schemas.openxmlformats.org/drawingml/2006/main" xmlns:r="http://schemas.openxmlformats.org/officeDocument/2006/relationships" xmlns:p="http://schemas.openxmlformats.org/presentationml/2006/main">
+  <p:cSld>
+    <p:spTree>
+      <p:nvGrpSpPr>
+        <p:cNvPr id="1" name=""/>
+        <p:cNvGrpSpPr/>
+        <p:nvPr/>
+      </p:nvGrpSpPr>
+      <p:grpSpPr>
+        <a:xfrm>
+          <a:off x="0" y="0"/>
+          <a:ext cx="0" cy="0"/>
+          <a:chOff x="0" y="0"/>
+          <a:chExt cx="0" cy="0"/>
+        </a:xfrm>
+      </p:grpSpPr>
+      <p:sp>
+        <p:nvSpPr>
+          <p:cNvPr id="2" name="标题 1"/>
+          <p:cNvSpPr>
+            <a:spLocks noGrp="1"/>
+          </p:cNvSpPr>
+          <p:nvPr>
+            <p:ph type="title"/>
+          </p:nvPr>
+        </p:nvSpPr>
+        <p:spPr/>
+        <p:txBody>
+          <a:bodyPr/>
+          <a:lstStyle/>
+          <a:p>
+            <a:r>
+              <a:rPr lang="zh-CN" altLang="en-US" dirty="0" smtClean="0"/>
+              <a:t>简单密码</a:t>
+            </a:r>
+            <a:endParaRPr lang="zh-CN" altLang="en-US" dirty="0"/>
+          </a:p>
+        </p:txBody>
+      </p:sp>
+      <p:sp>
+        <p:nvSpPr>
+          <p:cNvPr id="3" name="内容占位符 2"/>
+          <p:cNvSpPr>
+            <a:spLocks noGrp="1"/>
+          </p:cNvSpPr>
+          <p:nvPr>
+            <p:ph idx="1"/>
+          </p:nvPr>
+        </p:nvSpPr>
+        <p:spPr/>
+        <p:txBody>
+          <a:bodyPr/>
+          <a:lstStyle/>
+          <a:p>
+            <a:pPr marL="0" indent="0">
+              <a:buNone/>
+            </a:pPr>
+            <a:r>
+              <a:rPr lang="zh-CN" altLang="en-US" sz="6000" dirty="0" smtClean="0"/>
+              <a:t>走</a:t>
+            </a:r>
+            <a:r>
+              <a:rPr lang="en-US" altLang="zh-CN" sz="6000" dirty="0" smtClean="0"/>
+              <a:t>3</a:t>
+            </a:r>
+            <a:r>
+              <a:rPr lang="zh-CN" altLang="en-US" sz="6000" dirty="0" smtClean="0"/>
+              <a:t>银</a:t>
+            </a:r>
+            <a:r>
+              <a:rPr lang="en-US" altLang="zh-CN" sz="6000" dirty="0" smtClean="0"/>
+              <a:t>2</a:t>
+            </a:r>
+            <a:r>
+              <a:rPr lang="zh-CN" altLang="en-US" sz="6000" dirty="0" smtClean="0"/>
+              <a:t>金</a:t>
+            </a:r>
+            <a:r>
+              <a:rPr lang="en-US" altLang="zh-CN" sz="6000" dirty="0" smtClean="0"/>
+              <a:t>2</a:t>
+            </a:r>
+            <a:r>
+              <a:rPr lang="zh-CN" altLang="en-US" sz="6000" dirty="0" smtClean="0"/>
+              <a:t>王</a:t>
+            </a:r>
+            <a:r>
+              <a:rPr lang="en-US" altLang="zh-CN" sz="6000" dirty="0" smtClean="0"/>
+              <a:t>3</a:t>
+            </a:r>
+          </a:p>
+          <a:p>
+            <a:endParaRPr lang="en-US" altLang="zh-CN" dirty="0"/>
+          </a:p>
+          <a:p>
+            <a:r>
+              <a:rPr lang="en-US" altLang="zh-CN" dirty="0" smtClean="0"/>
+              <a:t>A.  Alone</a:t>
+            </a:r>
+          </a:p>
+          <a:p>
+            <a:r>
+              <a:rPr lang="en-US" altLang="zh-CN" dirty="0" smtClean="0"/>
+              <a:t>B . Lion</a:t>
+            </a:r>
+          </a:p>
+          <a:p>
+            <a:r>
+              <a:rPr lang="en-US" altLang="zh-CN" dirty="0" smtClean="0"/>
+              <a:t>C . Wind</a:t>
+            </a:r>
+          </a:p>
+          <a:p>
+            <a:r>
+              <a:rPr lang="en-US" altLang="zh-CN" dirty="0" smtClean="0"/>
+              <a:t>D . long</a:t>
+            </a:r>
+            <a:endParaRPr lang="zh-CN" altLang="en-US" dirty="0"/>
+          </a:p>
+        </p:txBody>
+      </p:sp>
+    </p:spTree>
+    <p:extLst>
+      <p:ext uri="{BB962C8B-B14F-4D97-AF65-F5344CB8AC3E}">
+        <p14:creationId xmlns:p14="http://schemas.microsoft.com/office/powerpoint/2010/main" val="4065709438"/>
+      </p:ext>
+    </p:extLst>
+  </p:cSld>
+  <p:clrMapOvr>
+    <a:masterClrMapping/>
+  </p:clrMapOvr>
+</p:sld>
+</file>
+
+<file path=ppt/slides/slide12.xml><?xml version="1.0" encoding="utf-8"?>
+<p:sld xmlns:a="http://schemas.openxmlformats.org/drawingml/2006/main" xmlns:r="http://schemas.openxmlformats.org/officeDocument/2006/relationships" xmlns:p="http://schemas.openxmlformats.org/presentationml/2006/main">
+  <p:cSld>
+    <p:spTree>
+      <p:nvGrpSpPr>
+        <p:cNvPr id="1" name=""/>
+        <p:cNvGrpSpPr/>
+        <p:nvPr/>
+      </p:nvGrpSpPr>
+      <p:grpSpPr>
+        <a:xfrm>
+          <a:off x="0" y="0"/>
+          <a:ext cx="0" cy="0"/>
+          <a:chOff x="0" y="0"/>
+          <a:chExt cx="0" cy="0"/>
+        </a:xfrm>
+      </p:grpSpPr>
+      <p:sp>
+        <p:nvSpPr>
+          <p:cNvPr id="2" name="标题 1"/>
+          <p:cNvSpPr>
+            <a:spLocks noGrp="1"/>
+          </p:cNvSpPr>
+          <p:nvPr>
+            <p:ph type="title"/>
+          </p:nvPr>
+        </p:nvSpPr>
+        <p:spPr/>
+        <p:txBody>
+          <a:bodyPr/>
+          <a:lstStyle/>
+          <a:p>
+            <a:r>
+              <a:rPr lang="en-US" altLang="zh-CN" dirty="0" smtClean="0"/>
+              <a:t>hello</a:t>
+            </a:r>
+            <a:endParaRPr lang="zh-CN" altLang="en-US" dirty="0"/>
+          </a:p>
+        </p:txBody>
+      </p:sp>
+      <p:sp>
+        <p:nvSpPr>
+          <p:cNvPr id="3" name="内容占位符 2"/>
+          <p:cNvSpPr>
+            <a:spLocks noGrp="1"/>
+          </p:cNvSpPr>
+          <p:nvPr>
+            <p:ph idx="1"/>
+          </p:nvPr>
+        </p:nvSpPr>
+        <p:spPr/>
+        <p:txBody>
+          <a:bodyPr/>
+          <a:lstStyle/>
+          <a:p>
+            <a:endParaRPr lang="zh-CN" altLang="en-US" dirty="0"/>
+          </a:p>
+        </p:txBody>
+      </p:sp>
+      <p:pic>
+        <p:nvPicPr>
+          <p:cNvPr id="4" name="图片 3"/>
+          <p:cNvPicPr>
+            <a:picLocks noChangeAspect="1"/>
+          </p:cNvPicPr>
+          <p:nvPr/>
+        </p:nvPicPr>
+        <p:blipFill>
+          <a:blip r:embed="rId2"/>
+          <a:stretch>
+            <a:fillRect/>
+          </a:stretch>
+        </p:blipFill>
+        <p:spPr>
+          <a:xfrm>
+            <a:off x="959223" y="1825625"/>
+            <a:ext cx="7394969" cy="3342931"/>
+          </a:xfrm>
+          <a:prstGeom prst="rect">
+            <a:avLst/>
+          </a:prstGeom>
+        </p:spPr>
+      </p:pic>
+    </p:spTree>
+    <p:extLst>
+      <p:ext uri="{BB962C8B-B14F-4D97-AF65-F5344CB8AC3E}">
+        <p14:creationId xmlns:p14="http://schemas.microsoft.com/office/powerpoint/2010/main" val="1256820073"/>
+      </p:ext>
+    </p:extLst>
+  </p:cSld>
+  <p:clrMapOvr>
+    <a:masterClrMapping/>
+  </p:clrMapOvr>
+</p:sld>
+</file>
+
 <file path=ppt/slides/slide2.xml><?xml version="1.0" encoding="utf-8"?>
 <p:sld xmlns:a="http://schemas.openxmlformats.org/drawingml/2006/main" xmlns:r="http://schemas.openxmlformats.org/officeDocument/2006/relationships" xmlns:p="http://schemas.openxmlformats.org/presentationml/2006/main">
   <p:cSld>
@@ -3093,7 +3434,11 @@
           <a:bodyPr/>
           <a:lstStyle/>
           <a:p>
-            <a:endParaRPr lang="zh-CN" altLang="en-US"/>
+            <a:r>
+              <a:rPr lang="zh-CN" altLang="en-US" dirty="0" smtClean="0"/>
+              <a:t>一首社会诗</a:t>
+            </a:r>
+            <a:endParaRPr lang="zh-CN" altLang="en-US" dirty="0"/>
           </a:p>
         </p:txBody>
       </p:sp>
@@ -3112,10 +3457,500 @@
           <a:bodyPr/>
           <a:lstStyle/>
           <a:p>
-            <a:endParaRPr lang="zh-CN" altLang="en-US"/>
-          </a:p>
-        </p:txBody>
-      </p:sp>
+            <a:r>
+              <a:rPr lang="en-US" altLang="zh-CN" b="1" dirty="0"/>
+              <a:t>You are very much ON TIME, and in your TIME ZONE Destiny set up for you.</a:t>
+            </a:r>
+            <a:endParaRPr lang="zh-CN" altLang="zh-CN" dirty="0"/>
+          </a:p>
+          <a:p>
+            <a:r>
+              <a:rPr lang="en-US" altLang="zh-CN" b="1" dirty="0"/>
+              <a:t>Don’t let anyone rush you with their time lines.  </a:t>
+            </a:r>
+            <a:endParaRPr lang="zh-CN" altLang="zh-CN" dirty="0"/>
+          </a:p>
+          <a:p>
+            <a:r>
+              <a:rPr lang="en-US" altLang="zh-CN" dirty="0"/>
+              <a:t>Because as Einstein said, “ Not everything that counts can be counted and not everything that’s counted truly counts.” </a:t>
+            </a:r>
+            <a:endParaRPr lang="zh-CN" altLang="zh-CN" dirty="0"/>
+          </a:p>
+          <a:p>
+            <a:r>
+              <a:rPr lang="zh-CN" altLang="zh-CN" dirty="0"/>
+              <a:t>因为爱因斯坦曾经说过：并不是每一件算的出来的事，都有意义，也不是每一件有意义的事，都能够被算出来。</a:t>
+            </a:r>
+          </a:p>
+          <a:p>
+            <a:r>
+              <a:rPr lang="zh-CN" altLang="zh-CN" dirty="0"/>
+              <a:t>你只管努力，上帝自有安排。只要你肯努力，最坏的结果也不过是大器晚成。享受现在的生活，并感激它。不要抱怨</a:t>
+            </a:r>
+          </a:p>
+          <a:p>
+            <a:endParaRPr lang="zh-CN" altLang="en-US" dirty="0"/>
+          </a:p>
+        </p:txBody>
+      </p:sp>
+    </p:spTree>
+    <p:extLst>
+      <p:ext uri="{BB962C8B-B14F-4D97-AF65-F5344CB8AC3E}">
+        <p14:creationId xmlns:p14="http://schemas.microsoft.com/office/powerpoint/2010/main" val="1903654115"/>
+      </p:ext>
+    </p:extLst>
+  </p:cSld>
+  <p:clrMapOvr>
+    <a:masterClrMapping/>
+  </p:clrMapOvr>
+</p:sld>
+</file>
+
+<file path=ppt/slides/slide3.xml><?xml version="1.0" encoding="utf-8"?>
+<p:sld xmlns:a="http://schemas.openxmlformats.org/drawingml/2006/main" xmlns:r="http://schemas.openxmlformats.org/officeDocument/2006/relationships" xmlns:p="http://schemas.openxmlformats.org/presentationml/2006/main">
+  <p:cSld>
+    <p:spTree>
+      <p:nvGrpSpPr>
+        <p:cNvPr id="1" name=""/>
+        <p:cNvGrpSpPr/>
+        <p:nvPr/>
+      </p:nvGrpSpPr>
+      <p:grpSpPr>
+        <a:xfrm>
+          <a:off x="0" y="0"/>
+          <a:ext cx="0" cy="0"/>
+          <a:chOff x="0" y="0"/>
+          <a:chExt cx="0" cy="0"/>
+        </a:xfrm>
+      </p:grpSpPr>
+      <p:sp>
+        <p:nvSpPr>
+          <p:cNvPr id="2" name="标题 1"/>
+          <p:cNvSpPr>
+            <a:spLocks noGrp="1"/>
+          </p:cNvSpPr>
+          <p:nvPr>
+            <p:ph type="title"/>
+          </p:nvPr>
+        </p:nvSpPr>
+        <p:spPr/>
+        <p:txBody>
+          <a:bodyPr/>
+          <a:lstStyle/>
+          <a:p>
+            <a:r>
+              <a:rPr lang="zh-CN" altLang="en-US" dirty="0" smtClean="0"/>
+              <a:t>情商是可以提高的</a:t>
+            </a:r>
+            <a:endParaRPr lang="zh-CN" altLang="en-US" dirty="0"/>
+          </a:p>
+        </p:txBody>
+      </p:sp>
+      <p:sp>
+        <p:nvSpPr>
+          <p:cNvPr id="3" name="内容占位符 2"/>
+          <p:cNvSpPr>
+            <a:spLocks noGrp="1"/>
+          </p:cNvSpPr>
+          <p:nvPr>
+            <p:ph idx="1"/>
+          </p:nvPr>
+        </p:nvSpPr>
+        <p:spPr/>
+        <p:txBody>
+          <a:bodyPr/>
+          <a:lstStyle/>
+          <a:p>
+            <a:r>
+              <a:rPr lang="en-US" altLang="zh-CN" dirty="0" smtClean="0"/>
+              <a:t>11</a:t>
+            </a:r>
+            <a:r>
+              <a:rPr lang="zh-CN" altLang="en-US" dirty="0" smtClean="0"/>
+              <a:t>分钟的小视频献上</a:t>
+            </a:r>
+            <a:endParaRPr lang="zh-CN" altLang="en-US" dirty="0"/>
+          </a:p>
+        </p:txBody>
+      </p:sp>
+    </p:spTree>
+    <p:extLst>
+      <p:ext uri="{BB962C8B-B14F-4D97-AF65-F5344CB8AC3E}">
+        <p14:creationId xmlns:p14="http://schemas.microsoft.com/office/powerpoint/2010/main" val="4205055873"/>
+      </p:ext>
+    </p:extLst>
+  </p:cSld>
+  <p:clrMapOvr>
+    <a:masterClrMapping/>
+  </p:clrMapOvr>
+</p:sld>
+</file>
+
+<file path=ppt/slides/slide4.xml><?xml version="1.0" encoding="utf-8"?>
+<p:sld xmlns:a="http://schemas.openxmlformats.org/drawingml/2006/main" xmlns:r="http://schemas.openxmlformats.org/officeDocument/2006/relationships" xmlns:p="http://schemas.openxmlformats.org/presentationml/2006/main">
+  <p:cSld>
+    <p:spTree>
+      <p:nvGrpSpPr>
+        <p:cNvPr id="1" name=""/>
+        <p:cNvGrpSpPr/>
+        <p:nvPr/>
+      </p:nvGrpSpPr>
+      <p:grpSpPr>
+        <a:xfrm>
+          <a:off x="0" y="0"/>
+          <a:ext cx="0" cy="0"/>
+          <a:chOff x="0" y="0"/>
+          <a:chExt cx="0" cy="0"/>
+        </a:xfrm>
+      </p:grpSpPr>
+      <p:sp>
+        <p:nvSpPr>
+          <p:cNvPr id="2" name="标题 1"/>
+          <p:cNvSpPr>
+            <a:spLocks noGrp="1"/>
+          </p:cNvSpPr>
+          <p:nvPr>
+            <p:ph type="title"/>
+          </p:nvPr>
+        </p:nvSpPr>
+        <p:spPr/>
+        <p:txBody>
+          <a:bodyPr/>
+          <a:lstStyle/>
+          <a:p>
+            <a:r>
+              <a:rPr lang="zh-CN" altLang="en-US" dirty="0" smtClean="0"/>
+              <a:t>开始游戏</a:t>
+            </a:r>
+            <a:endParaRPr lang="zh-CN" altLang="en-US" dirty="0"/>
+          </a:p>
+        </p:txBody>
+      </p:sp>
+      <p:sp>
+        <p:nvSpPr>
+          <p:cNvPr id="3" name="内容占位符 2"/>
+          <p:cNvSpPr>
+            <a:spLocks noGrp="1"/>
+          </p:cNvSpPr>
+          <p:nvPr>
+            <p:ph idx="1"/>
+          </p:nvPr>
+        </p:nvSpPr>
+        <p:spPr/>
+        <p:txBody>
+          <a:bodyPr/>
+          <a:lstStyle/>
+          <a:p>
+            <a:r>
+              <a:rPr lang="zh-CN" altLang="en-US" dirty="0" smtClean="0"/>
+              <a:t>可以抢答，不可以改变答案</a:t>
+            </a:r>
+            <a:endParaRPr lang="en-US" altLang="zh-CN" dirty="0" smtClean="0"/>
+          </a:p>
+          <a:p>
+            <a:r>
+              <a:rPr lang="zh-CN" altLang="en-US" dirty="0" smtClean="0"/>
+              <a:t>机会只有一次</a:t>
+            </a:r>
+            <a:endParaRPr lang="en-US" altLang="zh-CN" dirty="0" smtClean="0"/>
+          </a:p>
+          <a:p>
+            <a:r>
+              <a:rPr lang="zh-CN" altLang="en-US" dirty="0" smtClean="0"/>
+              <a:t>请遵守第一条</a:t>
+            </a:r>
+            <a:endParaRPr lang="zh-CN" altLang="en-US" dirty="0"/>
+          </a:p>
+        </p:txBody>
+      </p:sp>
+    </p:spTree>
+    <p:extLst>
+      <p:ext uri="{BB962C8B-B14F-4D97-AF65-F5344CB8AC3E}">
+        <p14:creationId xmlns:p14="http://schemas.microsoft.com/office/powerpoint/2010/main" val="1100606198"/>
+      </p:ext>
+    </p:extLst>
+  </p:cSld>
+  <p:clrMapOvr>
+    <a:masterClrMapping/>
+  </p:clrMapOvr>
+</p:sld>
+</file>
+
+<file path=ppt/slides/slide5.xml><?xml version="1.0" encoding="utf-8"?>
+<p:sld xmlns:a="http://schemas.openxmlformats.org/drawingml/2006/main" xmlns:r="http://schemas.openxmlformats.org/officeDocument/2006/relationships" xmlns:p="http://schemas.openxmlformats.org/presentationml/2006/main">
+  <p:cSld>
+    <p:spTree>
+      <p:nvGrpSpPr>
+        <p:cNvPr id="1" name=""/>
+        <p:cNvGrpSpPr/>
+        <p:nvPr/>
+      </p:nvGrpSpPr>
+      <p:grpSpPr>
+        <a:xfrm>
+          <a:off x="0" y="0"/>
+          <a:ext cx="0" cy="0"/>
+          <a:chOff x="0" y="0"/>
+          <a:chExt cx="0" cy="0"/>
+        </a:xfrm>
+      </p:grpSpPr>
+      <p:sp>
+        <p:nvSpPr>
+          <p:cNvPr id="2" name="标题 1"/>
+          <p:cNvSpPr>
+            <a:spLocks noGrp="1"/>
+          </p:cNvSpPr>
+          <p:nvPr>
+            <p:ph type="title"/>
+          </p:nvPr>
+        </p:nvSpPr>
+        <p:spPr/>
+        <p:txBody>
+          <a:bodyPr/>
+          <a:lstStyle/>
+          <a:p>
+            <a:r>
+              <a:rPr lang="zh-CN" altLang="en-US" dirty="0" smtClean="0"/>
+              <a:t>猜猜那是谁</a:t>
+            </a:r>
+            <a:endParaRPr lang="zh-CN" altLang="en-US" dirty="0"/>
+          </a:p>
+        </p:txBody>
+      </p:sp>
+      <p:sp>
+        <p:nvSpPr>
+          <p:cNvPr id="5" name="内容占位符 4"/>
+          <p:cNvSpPr>
+            <a:spLocks noGrp="1"/>
+          </p:cNvSpPr>
+          <p:nvPr>
+            <p:ph idx="1"/>
+          </p:nvPr>
+        </p:nvSpPr>
+        <p:spPr/>
+        <p:txBody>
+          <a:bodyPr/>
+          <a:lstStyle/>
+          <a:p>
+            <a:r>
+              <a:rPr lang="zh-CN" altLang="en-US" dirty="0" smtClean="0"/>
+              <a:t>桌子上有</a:t>
+            </a:r>
+            <a:r>
+              <a:rPr lang="en-US" altLang="zh-CN" dirty="0" smtClean="0"/>
+              <a:t>3</a:t>
+            </a:r>
+            <a:r>
+              <a:rPr lang="zh-CN" altLang="en-US" dirty="0" smtClean="0"/>
+              <a:t>样东西，依次是茶叶，墨水，地图</a:t>
+            </a:r>
+            <a:endParaRPr lang="en-US" altLang="zh-CN" dirty="0" smtClean="0"/>
+          </a:p>
+          <a:p>
+            <a:endParaRPr lang="en-US" altLang="zh-CN" dirty="0"/>
+          </a:p>
+          <a:p>
+            <a:r>
+              <a:rPr lang="en-US" altLang="zh-CN" dirty="0" smtClean="0"/>
+              <a:t>A. Tony</a:t>
+            </a:r>
+          </a:p>
+          <a:p>
+            <a:r>
+              <a:rPr lang="en-US" altLang="zh-CN" dirty="0" smtClean="0"/>
+              <a:t>B . Mike</a:t>
+            </a:r>
+          </a:p>
+          <a:p>
+            <a:r>
+              <a:rPr lang="en-US" altLang="zh-CN" dirty="0" smtClean="0"/>
+              <a:t>C . Tree</a:t>
+            </a:r>
+          </a:p>
+          <a:p>
+            <a:r>
+              <a:rPr lang="en-US" altLang="zh-CN" dirty="0" smtClean="0"/>
+              <a:t>D . Tim</a:t>
+            </a:r>
+            <a:endParaRPr lang="zh-CN" altLang="en-US" dirty="0"/>
+          </a:p>
+        </p:txBody>
+      </p:sp>
+    </p:spTree>
+    <p:extLst>
+      <p:ext uri="{BB962C8B-B14F-4D97-AF65-F5344CB8AC3E}">
+        <p14:creationId xmlns:p14="http://schemas.microsoft.com/office/powerpoint/2010/main" val="198488292"/>
+      </p:ext>
+    </p:extLst>
+  </p:cSld>
+  <p:clrMapOvr>
+    <a:masterClrMapping/>
+  </p:clrMapOvr>
+</p:sld>
+</file>
+
+<file path=ppt/slides/slide6.xml><?xml version="1.0" encoding="utf-8"?>
+<p:sld xmlns:a="http://schemas.openxmlformats.org/drawingml/2006/main" xmlns:r="http://schemas.openxmlformats.org/officeDocument/2006/relationships" xmlns:p="http://schemas.openxmlformats.org/presentationml/2006/main">
+  <p:cSld>
+    <p:spTree>
+      <p:nvGrpSpPr>
+        <p:cNvPr id="1" name=""/>
+        <p:cNvGrpSpPr/>
+        <p:nvPr/>
+      </p:nvGrpSpPr>
+      <p:grpSpPr>
+        <a:xfrm>
+          <a:off x="0" y="0"/>
+          <a:ext cx="0" cy="0"/>
+          <a:chOff x="0" y="0"/>
+          <a:chExt cx="0" cy="0"/>
+        </a:xfrm>
+      </p:grpSpPr>
+      <p:sp>
+        <p:nvSpPr>
+          <p:cNvPr id="2" name="标题 1"/>
+          <p:cNvSpPr>
+            <a:spLocks noGrp="1"/>
+          </p:cNvSpPr>
+          <p:nvPr>
+            <p:ph type="title"/>
+          </p:nvPr>
+        </p:nvSpPr>
+        <p:spPr/>
+        <p:txBody>
+          <a:bodyPr/>
+          <a:lstStyle/>
+          <a:p>
+            <a:r>
+              <a:rPr lang="zh-CN" altLang="en-US" dirty="0" smtClean="0"/>
+              <a:t>生物学家</a:t>
+            </a:r>
+            <a:endParaRPr lang="zh-CN" altLang="en-US" dirty="0"/>
+          </a:p>
+        </p:txBody>
+      </p:sp>
+      <p:sp>
+        <p:nvSpPr>
+          <p:cNvPr id="3" name="内容占位符 2"/>
+          <p:cNvSpPr>
+            <a:spLocks noGrp="1"/>
+          </p:cNvSpPr>
+          <p:nvPr>
+            <p:ph idx="1"/>
+          </p:nvPr>
+        </p:nvSpPr>
+        <p:spPr/>
+        <p:txBody>
+          <a:bodyPr/>
+          <a:lstStyle/>
+          <a:p>
+            <a:endParaRPr lang="zh-CN" altLang="en-US"/>
+          </a:p>
+        </p:txBody>
+      </p:sp>
+      <p:pic>
+        <p:nvPicPr>
+          <p:cNvPr id="4" name="图片 3"/>
+          <p:cNvPicPr>
+            <a:picLocks noChangeAspect="1"/>
+          </p:cNvPicPr>
+          <p:nvPr/>
+        </p:nvPicPr>
+        <p:blipFill>
+          <a:blip r:embed="rId2"/>
+          <a:stretch>
+            <a:fillRect/>
+          </a:stretch>
+        </p:blipFill>
+        <p:spPr>
+          <a:xfrm>
+            <a:off x="1172191" y="1825625"/>
+            <a:ext cx="8435635" cy="3915962"/>
+          </a:xfrm>
+          <a:prstGeom prst="rect">
+            <a:avLst/>
+          </a:prstGeom>
+        </p:spPr>
+      </p:pic>
+    </p:spTree>
+    <p:extLst>
+      <p:ext uri="{BB962C8B-B14F-4D97-AF65-F5344CB8AC3E}">
+        <p14:creationId xmlns:p14="http://schemas.microsoft.com/office/powerpoint/2010/main" val="801197066"/>
+      </p:ext>
+    </p:extLst>
+  </p:cSld>
+  <p:clrMapOvr>
+    <a:masterClrMapping/>
+  </p:clrMapOvr>
+</p:sld>
+</file>
+
+<file path=ppt/slides/slide7.xml><?xml version="1.0" encoding="utf-8"?>
+<p:sld xmlns:a="http://schemas.openxmlformats.org/drawingml/2006/main" xmlns:r="http://schemas.openxmlformats.org/officeDocument/2006/relationships" xmlns:p="http://schemas.openxmlformats.org/presentationml/2006/main">
+  <p:cSld>
+    <p:spTree>
+      <p:nvGrpSpPr>
+        <p:cNvPr id="1" name=""/>
+        <p:cNvGrpSpPr/>
+        <p:nvPr/>
+      </p:nvGrpSpPr>
+      <p:grpSpPr>
+        <a:xfrm>
+          <a:off x="0" y="0"/>
+          <a:ext cx="0" cy="0"/>
+          <a:chOff x="0" y="0"/>
+          <a:chExt cx="0" cy="0"/>
+        </a:xfrm>
+      </p:grpSpPr>
+      <p:sp>
+        <p:nvSpPr>
+          <p:cNvPr id="2" name="标题 1"/>
+          <p:cNvSpPr>
+            <a:spLocks noGrp="1"/>
+          </p:cNvSpPr>
+          <p:nvPr>
+            <p:ph type="title"/>
+          </p:nvPr>
+        </p:nvSpPr>
+        <p:spPr/>
+        <p:txBody>
+          <a:bodyPr/>
+          <a:lstStyle/>
+          <a:p>
+            <a:r>
+              <a:rPr lang="zh-CN" altLang="en-US" dirty="0" smtClean="0"/>
+              <a:t>谁在说谎</a:t>
+            </a:r>
+            <a:endParaRPr lang="zh-CN" altLang="en-US" dirty="0"/>
+          </a:p>
+        </p:txBody>
+      </p:sp>
+      <p:pic>
+        <p:nvPicPr>
+          <p:cNvPr id="4" name="内容占位符 3"/>
+          <p:cNvPicPr>
+            <a:picLocks noGrp="1" noChangeAspect="1"/>
+          </p:cNvPicPr>
+          <p:nvPr>
+            <p:ph idx="1"/>
+          </p:nvPr>
+        </p:nvPicPr>
+        <p:blipFill>
+          <a:blip r:embed="rId2"/>
+          <a:stretch>
+            <a:fillRect/>
+          </a:stretch>
+        </p:blipFill>
+        <p:spPr>
+          <a:xfrm>
+            <a:off x="1869489" y="1690688"/>
+            <a:ext cx="7194998" cy="3728192"/>
+          </a:xfrm>
+          <a:prstGeom prst="rect">
+            <a:avLst/>
+          </a:prstGeom>
+        </p:spPr>
+      </p:pic>
     </p:spTree>
     <p:extLst>
       <p:ext uri="{BB962C8B-B14F-4D97-AF65-F5344CB8AC3E}">
@@ -3133,6 +3968,180 @@
       </p:par>
     </p:tnLst>
   </p:timing>
+</p:sld>
+</file>
+
+<file path=ppt/slides/slide8.xml><?xml version="1.0" encoding="utf-8"?>
+<p:sld xmlns:a="http://schemas.openxmlformats.org/drawingml/2006/main" xmlns:r="http://schemas.openxmlformats.org/officeDocument/2006/relationships" xmlns:p="http://schemas.openxmlformats.org/presentationml/2006/main">
+  <p:cSld>
+    <p:spTree>
+      <p:nvGrpSpPr>
+        <p:cNvPr id="1" name=""/>
+        <p:cNvGrpSpPr/>
+        <p:nvPr/>
+      </p:nvGrpSpPr>
+      <p:grpSpPr>
+        <a:xfrm>
+          <a:off x="0" y="0"/>
+          <a:ext cx="0" cy="0"/>
+          <a:chOff x="0" y="0"/>
+          <a:chExt cx="0" cy="0"/>
+        </a:xfrm>
+      </p:grpSpPr>
+      <p:sp>
+        <p:nvSpPr>
+          <p:cNvPr id="2" name="标题 1"/>
+          <p:cNvSpPr>
+            <a:spLocks noGrp="1"/>
+          </p:cNvSpPr>
+          <p:nvPr>
+            <p:ph type="title"/>
+          </p:nvPr>
+        </p:nvSpPr>
+        <p:spPr/>
+        <p:txBody>
+          <a:bodyPr/>
+          <a:lstStyle/>
+          <a:p>
+            <a:r>
+              <a:rPr lang="zh-CN" altLang="en-US" dirty="0"/>
+              <a:t>程序</a:t>
+            </a:r>
+            <a:r>
+              <a:rPr lang="zh-CN" altLang="en-US" dirty="0" smtClean="0"/>
+              <a:t>猿思维</a:t>
+            </a:r>
+            <a:r>
+              <a:rPr lang="en-US" altLang="zh-CN" dirty="0" smtClean="0"/>
+              <a:t>1</a:t>
+            </a:r>
+            <a:endParaRPr lang="zh-CN" altLang="en-US" dirty="0"/>
+          </a:p>
+        </p:txBody>
+      </p:sp>
+      <p:pic>
+        <p:nvPicPr>
+          <p:cNvPr id="4" name="内容占位符 3"/>
+          <p:cNvPicPr>
+            <a:picLocks noGrp="1" noChangeAspect="1"/>
+          </p:cNvPicPr>
+          <p:nvPr>
+            <p:ph idx="1"/>
+          </p:nvPr>
+        </p:nvPicPr>
+        <p:blipFill>
+          <a:blip r:embed="rId2"/>
+          <a:stretch>
+            <a:fillRect/>
+          </a:stretch>
+        </p:blipFill>
+        <p:spPr>
+          <a:xfrm>
+            <a:off x="838200" y="2259134"/>
+            <a:ext cx="7367278" cy="2604413"/>
+          </a:xfrm>
+          <a:prstGeom prst="rect">
+            <a:avLst/>
+          </a:prstGeom>
+        </p:spPr>
+      </p:pic>
+    </p:spTree>
+    <p:extLst>
+      <p:ext uri="{BB962C8B-B14F-4D97-AF65-F5344CB8AC3E}">
+        <p14:creationId xmlns:p14="http://schemas.microsoft.com/office/powerpoint/2010/main" val="877160883"/>
+      </p:ext>
+    </p:extLst>
+  </p:cSld>
+  <p:clrMapOvr>
+    <a:masterClrMapping/>
+  </p:clrMapOvr>
+</p:sld>
+</file>
+
+<file path=ppt/slides/slide9.xml><?xml version="1.0" encoding="utf-8"?>
+<p:sld xmlns:a="http://schemas.openxmlformats.org/drawingml/2006/main" xmlns:r="http://schemas.openxmlformats.org/officeDocument/2006/relationships" xmlns:p="http://schemas.openxmlformats.org/presentationml/2006/main">
+  <p:cSld>
+    <p:spTree>
+      <p:nvGrpSpPr>
+        <p:cNvPr id="1" name=""/>
+        <p:cNvGrpSpPr/>
+        <p:nvPr/>
+      </p:nvGrpSpPr>
+      <p:grpSpPr>
+        <a:xfrm>
+          <a:off x="0" y="0"/>
+          <a:ext cx="0" cy="0"/>
+          <a:chOff x="0" y="0"/>
+          <a:chExt cx="0" cy="0"/>
+        </a:xfrm>
+      </p:grpSpPr>
+      <p:sp>
+        <p:nvSpPr>
+          <p:cNvPr id="2" name="标题 1"/>
+          <p:cNvSpPr>
+            <a:spLocks noGrp="1"/>
+          </p:cNvSpPr>
+          <p:nvPr>
+            <p:ph type="title"/>
+          </p:nvPr>
+        </p:nvSpPr>
+        <p:spPr/>
+        <p:txBody>
+          <a:bodyPr/>
+          <a:lstStyle/>
+          <a:p>
+            <a:r>
+              <a:rPr lang="zh-CN" altLang="en-US" dirty="0"/>
+              <a:t>程序</a:t>
+            </a:r>
+            <a:r>
+              <a:rPr lang="zh-CN" altLang="en-US" dirty="0" smtClean="0"/>
+              <a:t>猿思维</a:t>
+            </a:r>
+            <a:r>
+              <a:rPr lang="en-US" altLang="zh-CN" dirty="0" smtClean="0"/>
+              <a:t>2</a:t>
+            </a:r>
+            <a:endParaRPr lang="zh-CN" altLang="en-US" dirty="0"/>
+          </a:p>
+        </p:txBody>
+      </p:sp>
+      <p:pic>
+        <p:nvPicPr>
+          <p:cNvPr id="4" name="内容占位符 3"/>
+          <p:cNvPicPr>
+            <a:picLocks noGrp="1" noChangeAspect="1"/>
+          </p:cNvPicPr>
+          <p:nvPr>
+            <p:ph idx="1"/>
+          </p:nvPr>
+        </p:nvPicPr>
+        <p:blipFill>
+          <a:blip r:embed="rId2"/>
+          <a:stretch>
+            <a:fillRect/>
+          </a:stretch>
+        </p:blipFill>
+        <p:spPr>
+          <a:xfrm>
+            <a:off x="1020094" y="1929227"/>
+            <a:ext cx="7316609" cy="3066842"/>
+          </a:xfrm>
+          <a:prstGeom prst="rect">
+            <a:avLst/>
+          </a:prstGeom>
+        </p:spPr>
+      </p:pic>
+    </p:spTree>
+    <p:extLst>
+      <p:ext uri="{BB962C8B-B14F-4D97-AF65-F5344CB8AC3E}">
+        <p14:creationId xmlns:p14="http://schemas.microsoft.com/office/powerpoint/2010/main" val="4003351855"/>
+      </p:ext>
+    </p:extLst>
+  </p:cSld>
+  <p:clrMapOvr>
+    <a:masterClrMapping/>
+  </p:clrMapOvr>
 </p:sld>
 </file>
 

--- a/2018Q2/TGIF/TGIP_June6.pptx
+++ b/2018Q2/TGIF/TGIP_June6.pptx
@@ -254,7 +254,7 @@
           <a:p>
             <a:fld id="{50CA9DAE-2171-4169-B9E2-ADAA0466AD40}" type="datetimeFigureOut">
               <a:rPr lang="zh-CN" altLang="en-US" smtClean="0"/>
-              <a:t>2018/6/5</a:t>
+              <a:t>2018/6/7</a:t>
             </a:fld>
             <a:endParaRPr lang="zh-CN" altLang="en-US"/>
           </a:p>
@@ -424,7 +424,7 @@
           <a:p>
             <a:fld id="{50CA9DAE-2171-4169-B9E2-ADAA0466AD40}" type="datetimeFigureOut">
               <a:rPr lang="zh-CN" altLang="en-US" smtClean="0"/>
-              <a:t>2018/6/5</a:t>
+              <a:t>2018/6/7</a:t>
             </a:fld>
             <a:endParaRPr lang="zh-CN" altLang="en-US"/>
           </a:p>
@@ -604,7 +604,7 @@
           <a:p>
             <a:fld id="{50CA9DAE-2171-4169-B9E2-ADAA0466AD40}" type="datetimeFigureOut">
               <a:rPr lang="zh-CN" altLang="en-US" smtClean="0"/>
-              <a:t>2018/6/5</a:t>
+              <a:t>2018/6/7</a:t>
             </a:fld>
             <a:endParaRPr lang="zh-CN" altLang="en-US"/>
           </a:p>
@@ -774,7 +774,7 @@
           <a:p>
             <a:fld id="{50CA9DAE-2171-4169-B9E2-ADAA0466AD40}" type="datetimeFigureOut">
               <a:rPr lang="zh-CN" altLang="en-US" smtClean="0"/>
-              <a:t>2018/6/5</a:t>
+              <a:t>2018/6/7</a:t>
             </a:fld>
             <a:endParaRPr lang="zh-CN" altLang="en-US"/>
           </a:p>
@@ -1020,7 +1020,7 @@
           <a:p>
             <a:fld id="{50CA9DAE-2171-4169-B9E2-ADAA0466AD40}" type="datetimeFigureOut">
               <a:rPr lang="zh-CN" altLang="en-US" smtClean="0"/>
-              <a:t>2018/6/5</a:t>
+              <a:t>2018/6/7</a:t>
             </a:fld>
             <a:endParaRPr lang="zh-CN" altLang="en-US"/>
           </a:p>
@@ -1252,7 +1252,7 @@
           <a:p>
             <a:fld id="{50CA9DAE-2171-4169-B9E2-ADAA0466AD40}" type="datetimeFigureOut">
               <a:rPr lang="zh-CN" altLang="en-US" smtClean="0"/>
-              <a:t>2018/6/5</a:t>
+              <a:t>2018/6/7</a:t>
             </a:fld>
             <a:endParaRPr lang="zh-CN" altLang="en-US"/>
           </a:p>
@@ -1619,7 +1619,7 @@
           <a:p>
             <a:fld id="{50CA9DAE-2171-4169-B9E2-ADAA0466AD40}" type="datetimeFigureOut">
               <a:rPr lang="zh-CN" altLang="en-US" smtClean="0"/>
-              <a:t>2018/6/5</a:t>
+              <a:t>2018/6/7</a:t>
             </a:fld>
             <a:endParaRPr lang="zh-CN" altLang="en-US"/>
           </a:p>
@@ -1737,7 +1737,7 @@
           <a:p>
             <a:fld id="{50CA9DAE-2171-4169-B9E2-ADAA0466AD40}" type="datetimeFigureOut">
               <a:rPr lang="zh-CN" altLang="en-US" smtClean="0"/>
-              <a:t>2018/6/5</a:t>
+              <a:t>2018/6/7</a:t>
             </a:fld>
             <a:endParaRPr lang="zh-CN" altLang="en-US"/>
           </a:p>
@@ -1832,7 +1832,7 @@
           <a:p>
             <a:fld id="{50CA9DAE-2171-4169-B9E2-ADAA0466AD40}" type="datetimeFigureOut">
               <a:rPr lang="zh-CN" altLang="en-US" smtClean="0"/>
-              <a:t>2018/6/5</a:t>
+              <a:t>2018/6/7</a:t>
             </a:fld>
             <a:endParaRPr lang="zh-CN" altLang="en-US"/>
           </a:p>
@@ -2109,7 +2109,7 @@
           <a:p>
             <a:fld id="{50CA9DAE-2171-4169-B9E2-ADAA0466AD40}" type="datetimeFigureOut">
               <a:rPr lang="zh-CN" altLang="en-US" smtClean="0"/>
-              <a:t>2018/6/5</a:t>
+              <a:t>2018/6/7</a:t>
             </a:fld>
             <a:endParaRPr lang="zh-CN" altLang="en-US"/>
           </a:p>
@@ -2362,7 +2362,7 @@
           <a:p>
             <a:fld id="{50CA9DAE-2171-4169-B9E2-ADAA0466AD40}" type="datetimeFigureOut">
               <a:rPr lang="zh-CN" altLang="en-US" smtClean="0"/>
-              <a:t>2018/6/5</a:t>
+              <a:t>2018/6/7</a:t>
             </a:fld>
             <a:endParaRPr lang="zh-CN" altLang="en-US"/>
           </a:p>
@@ -2575,7 +2575,7 @@
           <a:p>
             <a:fld id="{50CA9DAE-2171-4169-B9E2-ADAA0466AD40}" type="datetimeFigureOut">
               <a:rPr lang="zh-CN" altLang="en-US" smtClean="0"/>
-              <a:t>2018/6/5</a:t>
+              <a:t>2018/6/7</a:t>
             </a:fld>
             <a:endParaRPr lang="zh-CN" altLang="en-US"/>
           </a:p>
@@ -3169,6 +3169,13 @@
   <p:clrMapOvr>
     <a:masterClrMapping/>
   </p:clrMapOvr>
+  <p:timing>
+    <p:tnLst>
+      <p:par>
+        <p:cTn id="1" dur="indefinite" restart="never" nodeType="tmRoot"/>
+      </p:par>
+    </p:tnLst>
+  </p:timing>
 </p:sld>
 </file>
 
@@ -3303,6 +3310,13 @@
   <p:clrMapOvr>
     <a:masterClrMapping/>
   </p:clrMapOvr>
+  <p:timing>
+    <p:tnLst>
+      <p:par>
+        <p:cTn id="1" dur="indefinite" restart="never" nodeType="tmRoot"/>
+      </p:par>
+    </p:tnLst>
+  </p:timing>
 </p:sld>
 </file>
 
@@ -3399,6 +3413,13 @@
   <p:clrMapOvr>
     <a:masterClrMapping/>
   </p:clrMapOvr>
+  <p:timing>
+    <p:tnLst>
+      <p:par>
+        <p:cTn id="1" dur="indefinite" restart="never" nodeType="tmRoot"/>
+      </p:par>
+    </p:tnLst>
+  </p:timing>
 </p:sld>
 </file>
 
@@ -3504,6 +3525,13 @@
   <p:clrMapOvr>
     <a:masterClrMapping/>
   </p:clrMapOvr>
+  <p:timing>
+    <p:tnLst>
+      <p:par>
+        <p:cTn id="1" dur="indefinite" restart="never" nodeType="tmRoot"/>
+      </p:par>
+    </p:tnLst>
+  </p:timing>
 </p:sld>
 </file>
 
@@ -3584,6 +3612,13 @@
   <p:clrMapOvr>
     <a:masterClrMapping/>
   </p:clrMapOvr>
+  <p:timing>
+    <p:tnLst>
+      <p:par>
+        <p:cTn id="1" dur="indefinite" restart="never" nodeType="tmRoot"/>
+      </p:par>
+    </p:tnLst>
+  </p:timing>
 </p:sld>
 </file>
 
@@ -3658,7 +3693,18 @@
           <a:p>
             <a:r>
               <a:rPr lang="zh-CN" altLang="en-US" dirty="0" smtClean="0"/>
-              <a:t>请遵守第一条</a:t>
+              <a:t>请遵守第一</a:t>
+            </a:r>
+            <a:r>
+              <a:rPr lang="zh-CN" altLang="en-US" dirty="0" smtClean="0"/>
+              <a:t>条</a:t>
+            </a:r>
+            <a:endParaRPr lang="en-US" altLang="zh-CN" dirty="0" smtClean="0"/>
+          </a:p>
+          <a:p>
+            <a:r>
+              <a:rPr lang="zh-CN" altLang="en-US" dirty="0" smtClean="0"/>
+              <a:t>所有规则解释凤娇，请大家配合演出，嘻嘻</a:t>
             </a:r>
             <a:endParaRPr lang="zh-CN" altLang="en-US" dirty="0"/>
           </a:p>
@@ -3674,6 +3720,13 @@
   <p:clrMapOvr>
     <a:masterClrMapping/>
   </p:clrMapOvr>
+  <p:timing>
+    <p:tnLst>
+      <p:par>
+        <p:cTn id="1" dur="indefinite" restart="never" nodeType="tmRoot"/>
+      </p:par>
+    </p:tnLst>
+  </p:timing>
 </p:sld>
 </file>
 
@@ -3786,6 +3839,13 @@
   <p:clrMapOvr>
     <a:masterClrMapping/>
   </p:clrMapOvr>
+  <p:timing>
+    <p:tnLst>
+      <p:par>
+        <p:cTn id="1" dur="indefinite" restart="never" nodeType="tmRoot"/>
+      </p:par>
+    </p:tnLst>
+  </p:timing>
 </p:sld>
 </file>
 
@@ -3882,6 +3942,13 @@
   <p:clrMapOvr>
     <a:masterClrMapping/>
   </p:clrMapOvr>
+  <p:timing>
+    <p:tnLst>
+      <p:par>
+        <p:cTn id="1" dur="indefinite" restart="never" nodeType="tmRoot"/>
+      </p:par>
+    </p:tnLst>
+  </p:timing>
 </p:sld>
 </file>
 
@@ -4055,6 +4122,13 @@
   <p:clrMapOvr>
     <a:masterClrMapping/>
   </p:clrMapOvr>
+  <p:timing>
+    <p:tnLst>
+      <p:par>
+        <p:cTn id="1" dur="indefinite" restart="never" nodeType="tmRoot"/>
+      </p:par>
+    </p:tnLst>
+  </p:timing>
 </p:sld>
 </file>
 
@@ -4142,6 +4216,13 @@
   <p:clrMapOvr>
     <a:masterClrMapping/>
   </p:clrMapOvr>
+  <p:timing>
+    <p:tnLst>
+      <p:par>
+        <p:cTn id="1" dur="indefinite" restart="never" nodeType="tmRoot"/>
+      </p:par>
+    </p:tnLst>
+  </p:timing>
 </p:sld>
 </file>
 

--- a/2018Q2/TGIF/TGIP_June6.pptx
+++ b/2018Q2/TGIF/TGIP_June6.pptx
@@ -7,16 +7,17 @@
   <p:sldIdLst>
     <p:sldId id="256" r:id="rId2"/>
     <p:sldId id="265" r:id="rId3"/>
-    <p:sldId id="267" r:id="rId4"/>
-    <p:sldId id="266" r:id="rId5"/>
-    <p:sldId id="261" r:id="rId6"/>
-    <p:sldId id="259" r:id="rId7"/>
-    <p:sldId id="257" r:id="rId8"/>
-    <p:sldId id="262" r:id="rId9"/>
+    <p:sldId id="268" r:id="rId4"/>
+    <p:sldId id="269" r:id="rId5"/>
+    <p:sldId id="266" r:id="rId6"/>
+    <p:sldId id="261" r:id="rId7"/>
+    <p:sldId id="260" r:id="rId8"/>
+    <p:sldId id="259" r:id="rId9"/>
     <p:sldId id="263" r:id="rId10"/>
-    <p:sldId id="258" r:id="rId11"/>
-    <p:sldId id="260" r:id="rId12"/>
-    <p:sldId id="264" r:id="rId13"/>
+    <p:sldId id="262" r:id="rId11"/>
+    <p:sldId id="257" r:id="rId12"/>
+    <p:sldId id="258" r:id="rId13"/>
+    <p:sldId id="264" r:id="rId14"/>
   </p:sldIdLst>
   <p:sldSz cx="12192000" cy="6858000"/>
   <p:notesSz cx="6858000" cy="9144000"/>
@@ -2992,7 +2993,9 @@
         </p:nvSpPr>
         <p:spPr/>
         <p:txBody>
-          <a:bodyPr/>
+          <a:bodyPr>
+            <a:normAutofit/>
+          </a:bodyPr>
           <a:lstStyle/>
           <a:p>
             <a:r>
@@ -3003,13 +3006,14 @@
               <a:rPr lang="zh-CN" altLang="en-US" dirty="0" smtClean="0"/>
             </a:br>
             <a:r>
+              <a:rPr lang="zh-CN" altLang="en-US" dirty="0"/>
+              <a:t>戏如</a:t>
+            </a:r>
+            <a:r>
               <a:rPr lang="zh-CN" altLang="en-US" dirty="0" smtClean="0"/>
-              <a:t>社会</a:t>
-            </a:r>
-            <a:r>
-              <a:rPr lang="zh-CN" altLang="en-US" dirty="0"/>
-              <a:t>人</a:t>
-            </a:r>
+              <a:t>人生</a:t>
+            </a:r>
+            <a:endParaRPr lang="zh-CN" altLang="en-US" dirty="0"/>
           </a:p>
         </p:txBody>
       </p:sp>
@@ -3110,6 +3114,186 @@
           <a:p>
             <a:r>
               <a:rPr lang="zh-CN" altLang="en-US" dirty="0" smtClean="0"/>
+              <a:t>程序</a:t>
+            </a:r>
+            <a:r>
+              <a:rPr lang="zh-CN" altLang="en-US" dirty="0"/>
+              <a:t>媛</a:t>
+            </a:r>
+            <a:r>
+              <a:rPr lang="zh-CN" altLang="en-US" dirty="0" smtClean="0"/>
+              <a:t>思维</a:t>
+            </a:r>
+            <a:endParaRPr lang="zh-CN" altLang="en-US" dirty="0"/>
+          </a:p>
+        </p:txBody>
+      </p:sp>
+      <p:pic>
+        <p:nvPicPr>
+          <p:cNvPr id="4" name="内容占位符 3"/>
+          <p:cNvPicPr>
+            <a:picLocks noGrp="1" noChangeAspect="1"/>
+          </p:cNvPicPr>
+          <p:nvPr>
+            <p:ph idx="1"/>
+          </p:nvPr>
+        </p:nvPicPr>
+        <p:blipFill>
+          <a:blip r:embed="rId2"/>
+          <a:stretch>
+            <a:fillRect/>
+          </a:stretch>
+        </p:blipFill>
+        <p:spPr>
+          <a:xfrm>
+            <a:off x="838200" y="2259134"/>
+            <a:ext cx="7367278" cy="2604413"/>
+          </a:xfrm>
+          <a:prstGeom prst="rect">
+            <a:avLst/>
+          </a:prstGeom>
+        </p:spPr>
+      </p:pic>
+    </p:spTree>
+    <p:extLst>
+      <p:ext uri="{BB962C8B-B14F-4D97-AF65-F5344CB8AC3E}">
+        <p14:creationId xmlns:p14="http://schemas.microsoft.com/office/powerpoint/2010/main" val="877160883"/>
+      </p:ext>
+    </p:extLst>
+  </p:cSld>
+  <p:clrMapOvr>
+    <a:masterClrMapping/>
+  </p:clrMapOvr>
+  <p:timing>
+    <p:tnLst>
+      <p:par>
+        <p:cTn id="1" dur="indefinite" restart="never" nodeType="tmRoot"/>
+      </p:par>
+    </p:tnLst>
+  </p:timing>
+</p:sld>
+</file>
+
+<file path=ppt/slides/slide11.xml><?xml version="1.0" encoding="utf-8"?>
+<p:sld xmlns:a="http://schemas.openxmlformats.org/drawingml/2006/main" xmlns:r="http://schemas.openxmlformats.org/officeDocument/2006/relationships" xmlns:p="http://schemas.openxmlformats.org/presentationml/2006/main">
+  <p:cSld>
+    <p:spTree>
+      <p:nvGrpSpPr>
+        <p:cNvPr id="1" name=""/>
+        <p:cNvGrpSpPr/>
+        <p:nvPr/>
+      </p:nvGrpSpPr>
+      <p:grpSpPr>
+        <a:xfrm>
+          <a:off x="0" y="0"/>
+          <a:ext cx="0" cy="0"/>
+          <a:chOff x="0" y="0"/>
+          <a:chExt cx="0" cy="0"/>
+        </a:xfrm>
+      </p:grpSpPr>
+      <p:sp>
+        <p:nvSpPr>
+          <p:cNvPr id="2" name="标题 1"/>
+          <p:cNvSpPr>
+            <a:spLocks noGrp="1"/>
+          </p:cNvSpPr>
+          <p:nvPr>
+            <p:ph type="title"/>
+          </p:nvPr>
+        </p:nvSpPr>
+        <p:spPr/>
+        <p:txBody>
+          <a:bodyPr/>
+          <a:lstStyle/>
+          <a:p>
+            <a:r>
+              <a:rPr lang="zh-CN" altLang="en-US" dirty="0" smtClean="0"/>
+              <a:t>谁在说谎</a:t>
+            </a:r>
+            <a:endParaRPr lang="zh-CN" altLang="en-US" dirty="0"/>
+          </a:p>
+        </p:txBody>
+      </p:sp>
+      <p:pic>
+        <p:nvPicPr>
+          <p:cNvPr id="4" name="内容占位符 3"/>
+          <p:cNvPicPr>
+            <a:picLocks noGrp="1" noChangeAspect="1"/>
+          </p:cNvPicPr>
+          <p:nvPr>
+            <p:ph idx="1"/>
+          </p:nvPr>
+        </p:nvPicPr>
+        <p:blipFill>
+          <a:blip r:embed="rId2"/>
+          <a:stretch>
+            <a:fillRect/>
+          </a:stretch>
+        </p:blipFill>
+        <p:spPr>
+          <a:xfrm>
+            <a:off x="1869489" y="1690688"/>
+            <a:ext cx="7194998" cy="3728192"/>
+          </a:xfrm>
+          <a:prstGeom prst="rect">
+            <a:avLst/>
+          </a:prstGeom>
+        </p:spPr>
+      </p:pic>
+    </p:spTree>
+    <p:extLst>
+      <p:ext uri="{BB962C8B-B14F-4D97-AF65-F5344CB8AC3E}">
+        <p14:creationId xmlns:p14="http://schemas.microsoft.com/office/powerpoint/2010/main" val="2718316952"/>
+      </p:ext>
+    </p:extLst>
+  </p:cSld>
+  <p:clrMapOvr>
+    <a:masterClrMapping/>
+  </p:clrMapOvr>
+  <p:timing>
+    <p:tnLst>
+      <p:par>
+        <p:cTn id="1" dur="indefinite" restart="never" nodeType="tmRoot"/>
+      </p:par>
+    </p:tnLst>
+  </p:timing>
+</p:sld>
+</file>
+
+<file path=ppt/slides/slide12.xml><?xml version="1.0" encoding="utf-8"?>
+<p:sld xmlns:a="http://schemas.openxmlformats.org/drawingml/2006/main" xmlns:r="http://schemas.openxmlformats.org/officeDocument/2006/relationships" xmlns:p="http://schemas.openxmlformats.org/presentationml/2006/main">
+  <p:cSld>
+    <p:spTree>
+      <p:nvGrpSpPr>
+        <p:cNvPr id="1" name=""/>
+        <p:cNvGrpSpPr/>
+        <p:nvPr/>
+      </p:nvGrpSpPr>
+      <p:grpSpPr>
+        <a:xfrm>
+          <a:off x="0" y="0"/>
+          <a:ext cx="0" cy="0"/>
+          <a:chOff x="0" y="0"/>
+          <a:chExt cx="0" cy="0"/>
+        </a:xfrm>
+      </p:grpSpPr>
+      <p:sp>
+        <p:nvSpPr>
+          <p:cNvPr id="2" name="标题 1"/>
+          <p:cNvSpPr>
+            <a:spLocks noGrp="1"/>
+          </p:cNvSpPr>
+          <p:nvPr>
+            <p:ph type="title"/>
+          </p:nvPr>
+        </p:nvSpPr>
+        <p:spPr/>
+        <p:txBody>
+          <a:bodyPr/>
+          <a:lstStyle/>
+          <a:p>
+            <a:r>
+              <a:rPr lang="zh-CN" altLang="en-US" dirty="0" smtClean="0"/>
               <a:t>电梯谜题</a:t>
             </a:r>
             <a:endParaRPr lang="zh-CN" altLang="en-US" dirty="0"/>
@@ -3179,148 +3363,7 @@
 </p:sld>
 </file>
 
-<file path=ppt/slides/slide11.xml><?xml version="1.0" encoding="utf-8"?>
-<p:sld xmlns:a="http://schemas.openxmlformats.org/drawingml/2006/main" xmlns:r="http://schemas.openxmlformats.org/officeDocument/2006/relationships" xmlns:p="http://schemas.openxmlformats.org/presentationml/2006/main">
-  <p:cSld>
-    <p:spTree>
-      <p:nvGrpSpPr>
-        <p:cNvPr id="1" name=""/>
-        <p:cNvGrpSpPr/>
-        <p:nvPr/>
-      </p:nvGrpSpPr>
-      <p:grpSpPr>
-        <a:xfrm>
-          <a:off x="0" y="0"/>
-          <a:ext cx="0" cy="0"/>
-          <a:chOff x="0" y="0"/>
-          <a:chExt cx="0" cy="0"/>
-        </a:xfrm>
-      </p:grpSpPr>
-      <p:sp>
-        <p:nvSpPr>
-          <p:cNvPr id="2" name="标题 1"/>
-          <p:cNvSpPr>
-            <a:spLocks noGrp="1"/>
-          </p:cNvSpPr>
-          <p:nvPr>
-            <p:ph type="title"/>
-          </p:nvPr>
-        </p:nvSpPr>
-        <p:spPr/>
-        <p:txBody>
-          <a:bodyPr/>
-          <a:lstStyle/>
-          <a:p>
-            <a:r>
-              <a:rPr lang="zh-CN" altLang="en-US" dirty="0" smtClean="0"/>
-              <a:t>简单密码</a:t>
-            </a:r>
-            <a:endParaRPr lang="zh-CN" altLang="en-US" dirty="0"/>
-          </a:p>
-        </p:txBody>
-      </p:sp>
-      <p:sp>
-        <p:nvSpPr>
-          <p:cNvPr id="3" name="内容占位符 2"/>
-          <p:cNvSpPr>
-            <a:spLocks noGrp="1"/>
-          </p:cNvSpPr>
-          <p:nvPr>
-            <p:ph idx="1"/>
-          </p:nvPr>
-        </p:nvSpPr>
-        <p:spPr/>
-        <p:txBody>
-          <a:bodyPr/>
-          <a:lstStyle/>
-          <a:p>
-            <a:pPr marL="0" indent="0">
-              <a:buNone/>
-            </a:pPr>
-            <a:r>
-              <a:rPr lang="zh-CN" altLang="en-US" sz="6000" dirty="0" smtClean="0"/>
-              <a:t>走</a:t>
-            </a:r>
-            <a:r>
-              <a:rPr lang="en-US" altLang="zh-CN" sz="6000" dirty="0" smtClean="0"/>
-              <a:t>3</a:t>
-            </a:r>
-            <a:r>
-              <a:rPr lang="zh-CN" altLang="en-US" sz="6000" dirty="0" smtClean="0"/>
-              <a:t>银</a:t>
-            </a:r>
-            <a:r>
-              <a:rPr lang="en-US" altLang="zh-CN" sz="6000" dirty="0" smtClean="0"/>
-              <a:t>2</a:t>
-            </a:r>
-            <a:r>
-              <a:rPr lang="zh-CN" altLang="en-US" sz="6000" dirty="0" smtClean="0"/>
-              <a:t>金</a:t>
-            </a:r>
-            <a:r>
-              <a:rPr lang="en-US" altLang="zh-CN" sz="6000" dirty="0" smtClean="0"/>
-              <a:t>2</a:t>
-            </a:r>
-            <a:r>
-              <a:rPr lang="zh-CN" altLang="en-US" sz="6000" dirty="0" smtClean="0"/>
-              <a:t>王</a:t>
-            </a:r>
-            <a:r>
-              <a:rPr lang="en-US" altLang="zh-CN" sz="6000" dirty="0" smtClean="0"/>
-              <a:t>3</a:t>
-            </a:r>
-          </a:p>
-          <a:p>
-            <a:endParaRPr lang="en-US" altLang="zh-CN" dirty="0"/>
-          </a:p>
-          <a:p>
-            <a:r>
-              <a:rPr lang="en-US" altLang="zh-CN" dirty="0" smtClean="0"/>
-              <a:t>A.  Alone</a:t>
-            </a:r>
-          </a:p>
-          <a:p>
-            <a:r>
-              <a:rPr lang="en-US" altLang="zh-CN" dirty="0" smtClean="0"/>
-              <a:t>B . Lion</a:t>
-            </a:r>
-          </a:p>
-          <a:p>
-            <a:r>
-              <a:rPr lang="en-US" altLang="zh-CN" dirty="0" smtClean="0"/>
-              <a:t>C . Wind</a:t>
-            </a:r>
-          </a:p>
-          <a:p>
-            <a:r>
-              <a:rPr lang="en-US" altLang="zh-CN" dirty="0" smtClean="0"/>
-              <a:t>D . long</a:t>
-            </a:r>
-            <a:endParaRPr lang="zh-CN" altLang="en-US" dirty="0"/>
-          </a:p>
-        </p:txBody>
-      </p:sp>
-    </p:spTree>
-    <p:extLst>
-      <p:ext uri="{BB962C8B-B14F-4D97-AF65-F5344CB8AC3E}">
-        <p14:creationId xmlns:p14="http://schemas.microsoft.com/office/powerpoint/2010/main" val="4065709438"/>
-      </p:ext>
-    </p:extLst>
-  </p:cSld>
-  <p:clrMapOvr>
-    <a:masterClrMapping/>
-  </p:clrMapOvr>
-  <p:timing>
-    <p:tnLst>
-      <p:par>
-        <p:cTn id="1" dur="indefinite" restart="never" nodeType="tmRoot"/>
-      </p:par>
-    </p:tnLst>
-  </p:timing>
-</p:sld>
-</file>
-
-<file path=ppt/slides/slide12.xml><?xml version="1.0" encoding="utf-8"?>
+<file path=ppt/slides/slide13.xml><?xml version="1.0" encoding="utf-8"?>
 <p:sld xmlns:a="http://schemas.openxmlformats.org/drawingml/2006/main" xmlns:r="http://schemas.openxmlformats.org/officeDocument/2006/relationships" xmlns:p="http://schemas.openxmlformats.org/presentationml/2006/main">
   <p:cSld>
     <p:spTree>
@@ -3456,8 +3499,8 @@
           <a:lstStyle/>
           <a:p>
             <a:r>
-              <a:rPr lang="zh-CN" altLang="en-US" dirty="0" smtClean="0"/>
-              <a:t>一首社会诗</a:t>
+              <a:rPr lang="en-US" altLang="zh-CN" dirty="0" smtClean="0"/>
+              <a:t>Be Still happy is success</a:t>
             </a:r>
             <a:endParaRPr lang="zh-CN" altLang="en-US" dirty="0"/>
           </a:p>
@@ -3568,35 +3611,70 @@
           <a:lstStyle/>
           <a:p>
             <a:r>
+              <a:rPr lang="en-US" altLang="zh-CN" dirty="0"/>
+              <a:t>Old technology</a:t>
+            </a:r>
+            <a:endParaRPr lang="zh-CN" altLang="en-US" dirty="0"/>
+          </a:p>
+        </p:txBody>
+      </p:sp>
+      <p:sp>
+        <p:nvSpPr>
+          <p:cNvPr id="3" name="内容占位符 2"/>
+          <p:cNvSpPr>
+            <a:spLocks noGrp="1"/>
+          </p:cNvSpPr>
+          <p:nvPr>
+            <p:ph idx="1"/>
+          </p:nvPr>
+        </p:nvSpPr>
+        <p:spPr/>
+        <p:txBody>
+          <a:bodyPr/>
+          <a:lstStyle/>
+          <a:p>
+            <a:r>
+              <a:rPr lang="zh-CN" altLang="en-US" dirty="0"/>
+              <a:t>看</a:t>
+            </a:r>
+            <a:r>
               <a:rPr lang="zh-CN" altLang="en-US" dirty="0" smtClean="0"/>
-              <a:t>情商是可以提高的</a:t>
-            </a:r>
-            <a:endParaRPr lang="zh-CN" altLang="en-US" dirty="0"/>
-          </a:p>
-        </p:txBody>
-      </p:sp>
-      <p:sp>
-        <p:nvSpPr>
-          <p:cNvPr id="3" name="内容占位符 2"/>
-          <p:cNvSpPr>
-            <a:spLocks noGrp="1"/>
-          </p:cNvSpPr>
-          <p:nvPr>
-            <p:ph idx="1"/>
-          </p:nvPr>
-        </p:nvSpPr>
-        <p:spPr/>
-        <p:txBody>
-          <a:bodyPr/>
-          <a:lstStyle/>
+              <a:t>着对方眼睛</a:t>
+            </a:r>
+            <a:endParaRPr lang="en-US" altLang="zh-CN" dirty="0" smtClean="0"/>
+          </a:p>
+          <a:p>
+            <a:r>
+              <a:rPr lang="zh-CN" altLang="en-US" dirty="0" smtClean="0"/>
+              <a:t>提前准备有趣的话题</a:t>
+            </a:r>
+            <a:endParaRPr lang="en-US" altLang="zh-CN" dirty="0" smtClean="0"/>
+          </a:p>
+          <a:p>
+            <a:r>
+              <a:rPr lang="zh-CN" altLang="en-US" dirty="0" smtClean="0"/>
+              <a:t>注视，点头，微笑</a:t>
+            </a:r>
+            <a:endParaRPr lang="en-US" altLang="zh-CN" dirty="0" smtClean="0"/>
+          </a:p>
+          <a:p>
+            <a:r>
+              <a:rPr lang="zh-CN" altLang="en-US" dirty="0"/>
+              <a:t>做</a:t>
+            </a:r>
+            <a:r>
+              <a:rPr lang="zh-CN" altLang="en-US" dirty="0" smtClean="0"/>
+              <a:t>总结，做笔记</a:t>
+            </a:r>
+            <a:endParaRPr lang="en-US" altLang="zh-CN" dirty="0" smtClean="0"/>
+          </a:p>
+          <a:p>
+            <a:endParaRPr lang="en-US" altLang="zh-CN" dirty="0"/>
+          </a:p>
           <a:p>
             <a:r>
               <a:rPr lang="en-US" altLang="zh-CN" dirty="0" smtClean="0"/>
-              <a:t>11</a:t>
-            </a:r>
-            <a:r>
-              <a:rPr lang="zh-CN" altLang="en-US" dirty="0" smtClean="0"/>
-              <a:t>分钟的小视频献上</a:t>
+              <a:t>It is crap </a:t>
             </a:r>
             <a:endParaRPr lang="zh-CN" altLang="en-US" dirty="0"/>
           </a:p>
@@ -3605,20 +3683,13 @@
     </p:spTree>
     <p:extLst>
       <p:ext uri="{BB962C8B-B14F-4D97-AF65-F5344CB8AC3E}">
-        <p14:creationId xmlns:p14="http://schemas.microsoft.com/office/powerpoint/2010/main" val="4205055873"/>
+        <p14:creationId xmlns:p14="http://schemas.microsoft.com/office/powerpoint/2010/main" val="3864026686"/>
       </p:ext>
     </p:extLst>
   </p:cSld>
   <p:clrMapOvr>
     <a:masterClrMapping/>
   </p:clrMapOvr>
-  <p:timing>
-    <p:tnLst>
-      <p:par>
-        <p:cTn id="1" dur="indefinite" restart="never" nodeType="tmRoot"/>
-      </p:par>
-    </p:tnLst>
-  </p:timing>
 </p:sld>
 </file>
 
@@ -3655,6 +3726,210 @@
           <a:lstStyle/>
           <a:p>
             <a:r>
+              <a:rPr lang="en-US" altLang="zh-CN" dirty="0" smtClean="0"/>
+              <a:t>New </a:t>
+            </a:r>
+            <a:r>
+              <a:rPr lang="en-US" altLang="zh-CN" dirty="0"/>
+              <a:t>technology</a:t>
+            </a:r>
+            <a:endParaRPr lang="zh-CN" altLang="en-US" dirty="0"/>
+          </a:p>
+        </p:txBody>
+      </p:sp>
+      <p:sp>
+        <p:nvSpPr>
+          <p:cNvPr id="3" name="内容占位符 2"/>
+          <p:cNvSpPr>
+            <a:spLocks noGrp="1"/>
+          </p:cNvSpPr>
+          <p:nvPr>
+            <p:ph idx="1"/>
+          </p:nvPr>
+        </p:nvSpPr>
+        <p:spPr/>
+        <p:txBody>
+          <a:bodyPr>
+            <a:normAutofit lnSpcReduction="10000"/>
+          </a:bodyPr>
+          <a:lstStyle/>
+          <a:p>
+            <a:r>
+              <a:rPr lang="en-US" altLang="zh-CN" dirty="0" smtClean="0"/>
+              <a:t>1.</a:t>
+            </a:r>
+            <a:r>
+              <a:rPr lang="zh-CN" altLang="en-US" dirty="0" smtClean="0"/>
+              <a:t>不要三心二意（处在当下 </a:t>
+            </a:r>
+            <a:r>
+              <a:rPr lang="en-US" altLang="zh-CN" dirty="0" smtClean="0"/>
+              <a:t>be in that moment</a:t>
+            </a:r>
+            <a:r>
+              <a:rPr lang="zh-CN" altLang="en-US" dirty="0" smtClean="0"/>
+              <a:t>）</a:t>
+            </a:r>
+            <a:endParaRPr lang="en-US" altLang="zh-CN" dirty="0" smtClean="0"/>
+          </a:p>
+          <a:p>
+            <a:r>
+              <a:rPr lang="en-US" altLang="zh-CN" dirty="0" smtClean="0"/>
+              <a:t>2. </a:t>
+            </a:r>
+            <a:r>
+              <a:rPr lang="zh-CN" altLang="en-US" dirty="0" smtClean="0"/>
+              <a:t>不要好为人师</a:t>
+            </a:r>
+            <a:endParaRPr lang="en-US" altLang="zh-CN" dirty="0" smtClean="0"/>
+          </a:p>
+          <a:p>
+            <a:r>
+              <a:rPr lang="en-US" altLang="zh-CN" dirty="0" smtClean="0"/>
+              <a:t>3. </a:t>
+            </a:r>
+            <a:r>
+              <a:rPr lang="zh-CN" altLang="en-US" dirty="0" smtClean="0"/>
+              <a:t>使用开放式问答（</a:t>
+            </a:r>
+            <a:r>
+              <a:rPr lang="en-US" altLang="zh-CN" dirty="0" smtClean="0"/>
+              <a:t>what…</a:t>
+            </a:r>
+            <a:r>
+              <a:rPr lang="en-US" altLang="zh-CN" dirty="0" err="1" smtClean="0"/>
+              <a:t>How,who</a:t>
+            </a:r>
+            <a:r>
+              <a:rPr lang="en-US" altLang="zh-CN" dirty="0" smtClean="0"/>
+              <a:t> </a:t>
+            </a:r>
+            <a:r>
+              <a:rPr lang="zh-CN" altLang="en-US" dirty="0" smtClean="0"/>
+              <a:t>，</a:t>
+            </a:r>
+            <a:r>
+              <a:rPr lang="en-US" altLang="zh-CN" dirty="0" smtClean="0"/>
+              <a:t>where</a:t>
+            </a:r>
+            <a:r>
+              <a:rPr lang="zh-CN" altLang="en-US" dirty="0" smtClean="0"/>
+              <a:t>）</a:t>
+            </a:r>
+            <a:endParaRPr lang="en-US" altLang="zh-CN" dirty="0" smtClean="0"/>
+          </a:p>
+          <a:p>
+            <a:r>
+              <a:rPr lang="en-US" altLang="zh-CN" dirty="0" smtClean="0"/>
+              <a:t>4. </a:t>
+            </a:r>
+            <a:r>
+              <a:rPr lang="zh-CN" altLang="en-US" dirty="0" smtClean="0"/>
+              <a:t>顺其自然 </a:t>
+            </a:r>
+            <a:endParaRPr lang="en-US" altLang="zh-CN" dirty="0" smtClean="0"/>
+          </a:p>
+          <a:p>
+            <a:r>
+              <a:rPr lang="en-US" altLang="zh-CN" dirty="0" smtClean="0"/>
+              <a:t>5. </a:t>
+            </a:r>
+            <a:r>
+              <a:rPr lang="zh-CN" altLang="en-US" dirty="0" smtClean="0"/>
+              <a:t>如果你不知道，就不知到</a:t>
+            </a:r>
+            <a:endParaRPr lang="en-US" altLang="zh-CN" dirty="0" smtClean="0"/>
+          </a:p>
+          <a:p>
+            <a:r>
+              <a:rPr lang="en-US" altLang="zh-CN" dirty="0" smtClean="0"/>
+              <a:t>6. </a:t>
+            </a:r>
+            <a:r>
+              <a:rPr lang="zh-CN" altLang="en-US" dirty="0" smtClean="0"/>
+              <a:t>不要把自己的经历和他人比较</a:t>
+            </a:r>
+            <a:endParaRPr lang="en-US" altLang="zh-CN" dirty="0" smtClean="0"/>
+          </a:p>
+          <a:p>
+            <a:r>
+              <a:rPr lang="en-US" altLang="zh-CN" dirty="0" smtClean="0"/>
+              <a:t>7. </a:t>
+            </a:r>
+            <a:r>
+              <a:rPr lang="zh-CN" altLang="en-US" dirty="0" smtClean="0"/>
+              <a:t>尽量别重复自己说的话</a:t>
+            </a:r>
+            <a:endParaRPr lang="en-US" altLang="zh-CN" dirty="0" smtClean="0"/>
+          </a:p>
+          <a:p>
+            <a:r>
+              <a:rPr lang="en-US" altLang="zh-CN" dirty="0" smtClean="0"/>
+              <a:t>8. </a:t>
+            </a:r>
+            <a:r>
+              <a:rPr lang="zh-CN" altLang="en-US" dirty="0" smtClean="0"/>
+              <a:t>少说废话 </a:t>
+            </a:r>
+            <a:endParaRPr lang="en-US" altLang="zh-CN" dirty="0" smtClean="0"/>
+          </a:p>
+          <a:p>
+            <a:r>
+              <a:rPr lang="en-US" altLang="zh-CN" dirty="0" smtClean="0"/>
+              <a:t>9. Listening</a:t>
+            </a:r>
+          </a:p>
+          <a:p>
+            <a:endParaRPr lang="zh-CN" altLang="en-US" dirty="0"/>
+          </a:p>
+        </p:txBody>
+      </p:sp>
+    </p:spTree>
+    <p:extLst>
+      <p:ext uri="{BB962C8B-B14F-4D97-AF65-F5344CB8AC3E}">
+        <p14:creationId xmlns:p14="http://schemas.microsoft.com/office/powerpoint/2010/main" val="2499631673"/>
+      </p:ext>
+    </p:extLst>
+  </p:cSld>
+  <p:clrMapOvr>
+    <a:masterClrMapping/>
+  </p:clrMapOvr>
+</p:sld>
+</file>
+
+<file path=ppt/slides/slide5.xml><?xml version="1.0" encoding="utf-8"?>
+<p:sld xmlns:a="http://schemas.openxmlformats.org/drawingml/2006/main" xmlns:r="http://schemas.openxmlformats.org/officeDocument/2006/relationships" xmlns:p="http://schemas.openxmlformats.org/presentationml/2006/main">
+  <p:cSld>
+    <p:spTree>
+      <p:nvGrpSpPr>
+        <p:cNvPr id="1" name=""/>
+        <p:cNvGrpSpPr/>
+        <p:nvPr/>
+      </p:nvGrpSpPr>
+      <p:grpSpPr>
+        <a:xfrm>
+          <a:off x="0" y="0"/>
+          <a:ext cx="0" cy="0"/>
+          <a:chOff x="0" y="0"/>
+          <a:chExt cx="0" cy="0"/>
+        </a:xfrm>
+      </p:grpSpPr>
+      <p:sp>
+        <p:nvSpPr>
+          <p:cNvPr id="2" name="标题 1"/>
+          <p:cNvSpPr>
+            <a:spLocks noGrp="1"/>
+          </p:cNvSpPr>
+          <p:nvPr>
+            <p:ph type="title"/>
+          </p:nvPr>
+        </p:nvSpPr>
+        <p:spPr/>
+        <p:txBody>
+          <a:bodyPr/>
+          <a:lstStyle/>
+          <a:p>
+            <a:r>
               <a:rPr lang="zh-CN" altLang="en-US" dirty="0" smtClean="0"/>
               <a:t>开始游戏</a:t>
             </a:r>
@@ -3693,11 +3968,7 @@
           <a:p>
             <a:r>
               <a:rPr lang="zh-CN" altLang="en-US" dirty="0" smtClean="0"/>
-              <a:t>请遵守第一</a:t>
-            </a:r>
-            <a:r>
-              <a:rPr lang="zh-CN" altLang="en-US" dirty="0" smtClean="0"/>
-              <a:t>条</a:t>
+              <a:t>请遵守第一条</a:t>
             </a:r>
             <a:endParaRPr lang="en-US" altLang="zh-CN" dirty="0" smtClean="0"/>
           </a:p>
@@ -3730,7 +4001,7 @@
 </p:sld>
 </file>
 
-<file path=ppt/slides/slide5.xml><?xml version="1.0" encoding="utf-8"?>
+<file path=ppt/slides/slide6.xml><?xml version="1.0" encoding="utf-8"?>
 <p:sld xmlns:a="http://schemas.openxmlformats.org/drawingml/2006/main" xmlns:r="http://schemas.openxmlformats.org/officeDocument/2006/relationships" xmlns:p="http://schemas.openxmlformats.org/presentationml/2006/main">
   <p:cSld>
     <p:spTree>
@@ -3849,7 +4120,148 @@
 </p:sld>
 </file>
 
-<file path=ppt/slides/slide6.xml><?xml version="1.0" encoding="utf-8"?>
+<file path=ppt/slides/slide7.xml><?xml version="1.0" encoding="utf-8"?>
+<p:sld xmlns:a="http://schemas.openxmlformats.org/drawingml/2006/main" xmlns:r="http://schemas.openxmlformats.org/officeDocument/2006/relationships" xmlns:p="http://schemas.openxmlformats.org/presentationml/2006/main">
+  <p:cSld>
+    <p:spTree>
+      <p:nvGrpSpPr>
+        <p:cNvPr id="1" name=""/>
+        <p:cNvGrpSpPr/>
+        <p:nvPr/>
+      </p:nvGrpSpPr>
+      <p:grpSpPr>
+        <a:xfrm>
+          <a:off x="0" y="0"/>
+          <a:ext cx="0" cy="0"/>
+          <a:chOff x="0" y="0"/>
+          <a:chExt cx="0" cy="0"/>
+        </a:xfrm>
+      </p:grpSpPr>
+      <p:sp>
+        <p:nvSpPr>
+          <p:cNvPr id="2" name="标题 1"/>
+          <p:cNvSpPr>
+            <a:spLocks noGrp="1"/>
+          </p:cNvSpPr>
+          <p:nvPr>
+            <p:ph type="title"/>
+          </p:nvPr>
+        </p:nvSpPr>
+        <p:spPr/>
+        <p:txBody>
+          <a:bodyPr/>
+          <a:lstStyle/>
+          <a:p>
+            <a:r>
+              <a:rPr lang="zh-CN" altLang="en-US" dirty="0" smtClean="0"/>
+              <a:t>简单密码</a:t>
+            </a:r>
+            <a:endParaRPr lang="zh-CN" altLang="en-US" dirty="0"/>
+          </a:p>
+        </p:txBody>
+      </p:sp>
+      <p:sp>
+        <p:nvSpPr>
+          <p:cNvPr id="3" name="内容占位符 2"/>
+          <p:cNvSpPr>
+            <a:spLocks noGrp="1"/>
+          </p:cNvSpPr>
+          <p:nvPr>
+            <p:ph idx="1"/>
+          </p:nvPr>
+        </p:nvSpPr>
+        <p:spPr/>
+        <p:txBody>
+          <a:bodyPr/>
+          <a:lstStyle/>
+          <a:p>
+            <a:pPr marL="0" indent="0">
+              <a:buNone/>
+            </a:pPr>
+            <a:r>
+              <a:rPr lang="zh-CN" altLang="en-US" sz="6000" dirty="0" smtClean="0"/>
+              <a:t>走</a:t>
+            </a:r>
+            <a:r>
+              <a:rPr lang="en-US" altLang="zh-CN" sz="6000" dirty="0" smtClean="0"/>
+              <a:t>3</a:t>
+            </a:r>
+            <a:r>
+              <a:rPr lang="zh-CN" altLang="en-US" sz="6000" dirty="0" smtClean="0"/>
+              <a:t>银</a:t>
+            </a:r>
+            <a:r>
+              <a:rPr lang="en-US" altLang="zh-CN" sz="6000" dirty="0" smtClean="0"/>
+              <a:t>2</a:t>
+            </a:r>
+            <a:r>
+              <a:rPr lang="zh-CN" altLang="en-US" sz="6000" dirty="0" smtClean="0"/>
+              <a:t>金</a:t>
+            </a:r>
+            <a:r>
+              <a:rPr lang="en-US" altLang="zh-CN" sz="6000" dirty="0" smtClean="0"/>
+              <a:t>2</a:t>
+            </a:r>
+            <a:r>
+              <a:rPr lang="zh-CN" altLang="en-US" sz="6000" dirty="0" smtClean="0"/>
+              <a:t>王</a:t>
+            </a:r>
+            <a:r>
+              <a:rPr lang="en-US" altLang="zh-CN" sz="6000" dirty="0" smtClean="0"/>
+              <a:t>3</a:t>
+            </a:r>
+          </a:p>
+          <a:p>
+            <a:endParaRPr lang="en-US" altLang="zh-CN" dirty="0"/>
+          </a:p>
+          <a:p>
+            <a:r>
+              <a:rPr lang="en-US" altLang="zh-CN" dirty="0" smtClean="0"/>
+              <a:t>A.  Alone</a:t>
+            </a:r>
+          </a:p>
+          <a:p>
+            <a:r>
+              <a:rPr lang="en-US" altLang="zh-CN" dirty="0" smtClean="0"/>
+              <a:t>B . Lion</a:t>
+            </a:r>
+          </a:p>
+          <a:p>
+            <a:r>
+              <a:rPr lang="en-US" altLang="zh-CN" dirty="0" smtClean="0"/>
+              <a:t>C . Wind</a:t>
+            </a:r>
+          </a:p>
+          <a:p>
+            <a:r>
+              <a:rPr lang="en-US" altLang="zh-CN" dirty="0" smtClean="0"/>
+              <a:t>D . long</a:t>
+            </a:r>
+            <a:endParaRPr lang="zh-CN" altLang="en-US" dirty="0"/>
+          </a:p>
+        </p:txBody>
+      </p:sp>
+    </p:spTree>
+    <p:extLst>
+      <p:ext uri="{BB962C8B-B14F-4D97-AF65-F5344CB8AC3E}">
+        <p14:creationId xmlns:p14="http://schemas.microsoft.com/office/powerpoint/2010/main" val="4065709438"/>
+      </p:ext>
+    </p:extLst>
+  </p:cSld>
+  <p:clrMapOvr>
+    <a:masterClrMapping/>
+  </p:clrMapOvr>
+  <p:timing>
+    <p:tnLst>
+      <p:par>
+        <p:cTn id="1" dur="indefinite" restart="never" nodeType="tmRoot"/>
+      </p:par>
+    </p:tnLst>
+  </p:timing>
+</p:sld>
+</file>
+
+<file path=ppt/slides/slide8.xml><?xml version="1.0" encoding="utf-8"?>
 <p:sld xmlns:a="http://schemas.openxmlformats.org/drawingml/2006/main" xmlns:r="http://schemas.openxmlformats.org/officeDocument/2006/relationships" xmlns:p="http://schemas.openxmlformats.org/presentationml/2006/main">
   <p:cSld>
     <p:spTree>
@@ -3952,186 +4364,6 @@
 </p:sld>
 </file>
 
-<file path=ppt/slides/slide7.xml><?xml version="1.0" encoding="utf-8"?>
-<p:sld xmlns:a="http://schemas.openxmlformats.org/drawingml/2006/main" xmlns:r="http://schemas.openxmlformats.org/officeDocument/2006/relationships" xmlns:p="http://schemas.openxmlformats.org/presentationml/2006/main">
-  <p:cSld>
-    <p:spTree>
-      <p:nvGrpSpPr>
-        <p:cNvPr id="1" name=""/>
-        <p:cNvGrpSpPr/>
-        <p:nvPr/>
-      </p:nvGrpSpPr>
-      <p:grpSpPr>
-        <a:xfrm>
-          <a:off x="0" y="0"/>
-          <a:ext cx="0" cy="0"/>
-          <a:chOff x="0" y="0"/>
-          <a:chExt cx="0" cy="0"/>
-        </a:xfrm>
-      </p:grpSpPr>
-      <p:sp>
-        <p:nvSpPr>
-          <p:cNvPr id="2" name="标题 1"/>
-          <p:cNvSpPr>
-            <a:spLocks noGrp="1"/>
-          </p:cNvSpPr>
-          <p:nvPr>
-            <p:ph type="title"/>
-          </p:nvPr>
-        </p:nvSpPr>
-        <p:spPr/>
-        <p:txBody>
-          <a:bodyPr/>
-          <a:lstStyle/>
-          <a:p>
-            <a:r>
-              <a:rPr lang="zh-CN" altLang="en-US" dirty="0" smtClean="0"/>
-              <a:t>谁在说谎</a:t>
-            </a:r>
-            <a:endParaRPr lang="zh-CN" altLang="en-US" dirty="0"/>
-          </a:p>
-        </p:txBody>
-      </p:sp>
-      <p:pic>
-        <p:nvPicPr>
-          <p:cNvPr id="4" name="内容占位符 3"/>
-          <p:cNvPicPr>
-            <a:picLocks noGrp="1" noChangeAspect="1"/>
-          </p:cNvPicPr>
-          <p:nvPr>
-            <p:ph idx="1"/>
-          </p:nvPr>
-        </p:nvPicPr>
-        <p:blipFill>
-          <a:blip r:embed="rId2"/>
-          <a:stretch>
-            <a:fillRect/>
-          </a:stretch>
-        </p:blipFill>
-        <p:spPr>
-          <a:xfrm>
-            <a:off x="1869489" y="1690688"/>
-            <a:ext cx="7194998" cy="3728192"/>
-          </a:xfrm>
-          <a:prstGeom prst="rect">
-            <a:avLst/>
-          </a:prstGeom>
-        </p:spPr>
-      </p:pic>
-    </p:spTree>
-    <p:extLst>
-      <p:ext uri="{BB962C8B-B14F-4D97-AF65-F5344CB8AC3E}">
-        <p14:creationId xmlns:p14="http://schemas.microsoft.com/office/powerpoint/2010/main" val="2718316952"/>
-      </p:ext>
-    </p:extLst>
-  </p:cSld>
-  <p:clrMapOvr>
-    <a:masterClrMapping/>
-  </p:clrMapOvr>
-  <p:timing>
-    <p:tnLst>
-      <p:par>
-        <p:cTn id="1" dur="indefinite" restart="never" nodeType="tmRoot"/>
-      </p:par>
-    </p:tnLst>
-  </p:timing>
-</p:sld>
-</file>
-
-<file path=ppt/slides/slide8.xml><?xml version="1.0" encoding="utf-8"?>
-<p:sld xmlns:a="http://schemas.openxmlformats.org/drawingml/2006/main" xmlns:r="http://schemas.openxmlformats.org/officeDocument/2006/relationships" xmlns:p="http://schemas.openxmlformats.org/presentationml/2006/main">
-  <p:cSld>
-    <p:spTree>
-      <p:nvGrpSpPr>
-        <p:cNvPr id="1" name=""/>
-        <p:cNvGrpSpPr/>
-        <p:nvPr/>
-      </p:nvGrpSpPr>
-      <p:grpSpPr>
-        <a:xfrm>
-          <a:off x="0" y="0"/>
-          <a:ext cx="0" cy="0"/>
-          <a:chOff x="0" y="0"/>
-          <a:chExt cx="0" cy="0"/>
-        </a:xfrm>
-      </p:grpSpPr>
-      <p:sp>
-        <p:nvSpPr>
-          <p:cNvPr id="2" name="标题 1"/>
-          <p:cNvSpPr>
-            <a:spLocks noGrp="1"/>
-          </p:cNvSpPr>
-          <p:nvPr>
-            <p:ph type="title"/>
-          </p:nvPr>
-        </p:nvSpPr>
-        <p:spPr/>
-        <p:txBody>
-          <a:bodyPr/>
-          <a:lstStyle/>
-          <a:p>
-            <a:r>
-              <a:rPr lang="zh-CN" altLang="en-US" dirty="0"/>
-              <a:t>程序</a:t>
-            </a:r>
-            <a:r>
-              <a:rPr lang="zh-CN" altLang="en-US" dirty="0" smtClean="0"/>
-              <a:t>猿思维</a:t>
-            </a:r>
-            <a:r>
-              <a:rPr lang="en-US" altLang="zh-CN" dirty="0" smtClean="0"/>
-              <a:t>1</a:t>
-            </a:r>
-            <a:endParaRPr lang="zh-CN" altLang="en-US" dirty="0"/>
-          </a:p>
-        </p:txBody>
-      </p:sp>
-      <p:pic>
-        <p:nvPicPr>
-          <p:cNvPr id="4" name="内容占位符 3"/>
-          <p:cNvPicPr>
-            <a:picLocks noGrp="1" noChangeAspect="1"/>
-          </p:cNvPicPr>
-          <p:nvPr>
-            <p:ph idx="1"/>
-          </p:nvPr>
-        </p:nvPicPr>
-        <p:blipFill>
-          <a:blip r:embed="rId2"/>
-          <a:stretch>
-            <a:fillRect/>
-          </a:stretch>
-        </p:blipFill>
-        <p:spPr>
-          <a:xfrm>
-            <a:off x="838200" y="2259134"/>
-            <a:ext cx="7367278" cy="2604413"/>
-          </a:xfrm>
-          <a:prstGeom prst="rect">
-            <a:avLst/>
-          </a:prstGeom>
-        </p:spPr>
-      </p:pic>
-    </p:spTree>
-    <p:extLst>
-      <p:ext uri="{BB962C8B-B14F-4D97-AF65-F5344CB8AC3E}">
-        <p14:creationId xmlns:p14="http://schemas.microsoft.com/office/powerpoint/2010/main" val="877160883"/>
-      </p:ext>
-    </p:extLst>
-  </p:cSld>
-  <p:clrMapOvr>
-    <a:masterClrMapping/>
-  </p:clrMapOvr>
-  <p:timing>
-    <p:tnLst>
-      <p:par>
-        <p:cTn id="1" dur="indefinite" restart="never" nodeType="tmRoot"/>
-      </p:par>
-    </p:tnLst>
-  </p:timing>
-</p:sld>
-</file>
-
 <file path=ppt/slides/slide9.xml><?xml version="1.0" encoding="utf-8"?>
 <p:sld xmlns:a="http://schemas.openxmlformats.org/drawingml/2006/main" xmlns:r="http://schemas.openxmlformats.org/officeDocument/2006/relationships" xmlns:p="http://schemas.openxmlformats.org/presentationml/2006/main">
   <p:cSld>
@@ -4165,16 +4397,16 @@
           <a:lstStyle/>
           <a:p>
             <a:r>
+              <a:rPr lang="zh-CN" altLang="en-US" dirty="0" smtClean="0"/>
+              <a:t>程序</a:t>
+            </a:r>
+            <a:r>
               <a:rPr lang="zh-CN" altLang="en-US" dirty="0"/>
-              <a:t>程序</a:t>
+              <a:t>员</a:t>
             </a:r>
             <a:r>
               <a:rPr lang="zh-CN" altLang="en-US" dirty="0" smtClean="0"/>
-              <a:t>猿思维</a:t>
-            </a:r>
-            <a:r>
-              <a:rPr lang="en-US" altLang="zh-CN" dirty="0" smtClean="0"/>
-              <a:t>2</a:t>
+              <a:t>思维</a:t>
             </a:r>
             <a:endParaRPr lang="zh-CN" altLang="en-US" dirty="0"/>
           </a:p>

--- a/2018Q2/TGIF/TGIP_June6.pptx
+++ b/2018Q2/TGIF/TGIP_June6.pptx
@@ -11,10 +11,10 @@
     <p:sldId id="269" r:id="rId5"/>
     <p:sldId id="266" r:id="rId6"/>
     <p:sldId id="261" r:id="rId7"/>
-    <p:sldId id="260" r:id="rId8"/>
-    <p:sldId id="259" r:id="rId9"/>
-    <p:sldId id="263" r:id="rId10"/>
-    <p:sldId id="262" r:id="rId11"/>
+    <p:sldId id="259" r:id="rId8"/>
+    <p:sldId id="263" r:id="rId9"/>
+    <p:sldId id="262" r:id="rId10"/>
+    <p:sldId id="260" r:id="rId11"/>
     <p:sldId id="257" r:id="rId12"/>
     <p:sldId id="258" r:id="rId13"/>
     <p:sldId id="264" r:id="rId14"/>
@@ -255,7 +255,7 @@
           <a:p>
             <a:fld id="{50CA9DAE-2171-4169-B9E2-ADAA0466AD40}" type="datetimeFigureOut">
               <a:rPr lang="zh-CN" altLang="en-US" smtClean="0"/>
-              <a:t>2018/6/7</a:t>
+              <a:t>2018/6/8</a:t>
             </a:fld>
             <a:endParaRPr lang="zh-CN" altLang="en-US"/>
           </a:p>
@@ -425,7 +425,7 @@
           <a:p>
             <a:fld id="{50CA9DAE-2171-4169-B9E2-ADAA0466AD40}" type="datetimeFigureOut">
               <a:rPr lang="zh-CN" altLang="en-US" smtClean="0"/>
-              <a:t>2018/6/7</a:t>
+              <a:t>2018/6/8</a:t>
             </a:fld>
             <a:endParaRPr lang="zh-CN" altLang="en-US"/>
           </a:p>
@@ -605,7 +605,7 @@
           <a:p>
             <a:fld id="{50CA9DAE-2171-4169-B9E2-ADAA0466AD40}" type="datetimeFigureOut">
               <a:rPr lang="zh-CN" altLang="en-US" smtClean="0"/>
-              <a:t>2018/6/7</a:t>
+              <a:t>2018/6/8</a:t>
             </a:fld>
             <a:endParaRPr lang="zh-CN" altLang="en-US"/>
           </a:p>
@@ -775,7 +775,7 @@
           <a:p>
             <a:fld id="{50CA9DAE-2171-4169-B9E2-ADAA0466AD40}" type="datetimeFigureOut">
               <a:rPr lang="zh-CN" altLang="en-US" smtClean="0"/>
-              <a:t>2018/6/7</a:t>
+              <a:t>2018/6/8</a:t>
             </a:fld>
             <a:endParaRPr lang="zh-CN" altLang="en-US"/>
           </a:p>
@@ -1021,7 +1021,7 @@
           <a:p>
             <a:fld id="{50CA9DAE-2171-4169-B9E2-ADAA0466AD40}" type="datetimeFigureOut">
               <a:rPr lang="zh-CN" altLang="en-US" smtClean="0"/>
-              <a:t>2018/6/7</a:t>
+              <a:t>2018/6/8</a:t>
             </a:fld>
             <a:endParaRPr lang="zh-CN" altLang="en-US"/>
           </a:p>
@@ -1253,7 +1253,7 @@
           <a:p>
             <a:fld id="{50CA9DAE-2171-4169-B9E2-ADAA0466AD40}" type="datetimeFigureOut">
               <a:rPr lang="zh-CN" altLang="en-US" smtClean="0"/>
-              <a:t>2018/6/7</a:t>
+              <a:t>2018/6/8</a:t>
             </a:fld>
             <a:endParaRPr lang="zh-CN" altLang="en-US"/>
           </a:p>
@@ -1620,7 +1620,7 @@
           <a:p>
             <a:fld id="{50CA9DAE-2171-4169-B9E2-ADAA0466AD40}" type="datetimeFigureOut">
               <a:rPr lang="zh-CN" altLang="en-US" smtClean="0"/>
-              <a:t>2018/6/7</a:t>
+              <a:t>2018/6/8</a:t>
             </a:fld>
             <a:endParaRPr lang="zh-CN" altLang="en-US"/>
           </a:p>
@@ -1738,7 +1738,7 @@
           <a:p>
             <a:fld id="{50CA9DAE-2171-4169-B9E2-ADAA0466AD40}" type="datetimeFigureOut">
               <a:rPr lang="zh-CN" altLang="en-US" smtClean="0"/>
-              <a:t>2018/6/7</a:t>
+              <a:t>2018/6/8</a:t>
             </a:fld>
             <a:endParaRPr lang="zh-CN" altLang="en-US"/>
           </a:p>
@@ -1833,7 +1833,7 @@
           <a:p>
             <a:fld id="{50CA9DAE-2171-4169-B9E2-ADAA0466AD40}" type="datetimeFigureOut">
               <a:rPr lang="zh-CN" altLang="en-US" smtClean="0"/>
-              <a:t>2018/6/7</a:t>
+              <a:t>2018/6/8</a:t>
             </a:fld>
             <a:endParaRPr lang="zh-CN" altLang="en-US"/>
           </a:p>
@@ -2110,7 +2110,7 @@
           <a:p>
             <a:fld id="{50CA9DAE-2171-4169-B9E2-ADAA0466AD40}" type="datetimeFigureOut">
               <a:rPr lang="zh-CN" altLang="en-US" smtClean="0"/>
-              <a:t>2018/6/7</a:t>
+              <a:t>2018/6/8</a:t>
             </a:fld>
             <a:endParaRPr lang="zh-CN" altLang="en-US"/>
           </a:p>
@@ -2363,7 +2363,7 @@
           <a:p>
             <a:fld id="{50CA9DAE-2171-4169-B9E2-ADAA0466AD40}" type="datetimeFigureOut">
               <a:rPr lang="zh-CN" altLang="en-US" smtClean="0"/>
-              <a:t>2018/6/7</a:t>
+              <a:t>2018/6/8</a:t>
             </a:fld>
             <a:endParaRPr lang="zh-CN" altLang="en-US"/>
           </a:p>
@@ -2576,7 +2576,7 @@
           <a:p>
             <a:fld id="{50CA9DAE-2171-4169-B9E2-ADAA0466AD40}" type="datetimeFigureOut">
               <a:rPr lang="zh-CN" altLang="en-US" smtClean="0"/>
-              <a:t>2018/6/7</a:t>
+              <a:t>2018/6/8</a:t>
             </a:fld>
             <a:endParaRPr lang="zh-CN" altLang="en-US"/>
           </a:p>
@@ -3114,50 +3114,97 @@
           <a:p>
             <a:r>
               <a:rPr lang="zh-CN" altLang="en-US" dirty="0" smtClean="0"/>
-              <a:t>程序</a:t>
-            </a:r>
-            <a:r>
-              <a:rPr lang="zh-CN" altLang="en-US" dirty="0"/>
-              <a:t>媛</a:t>
-            </a:r>
-            <a:r>
-              <a:rPr lang="zh-CN" altLang="en-US" dirty="0" smtClean="0"/>
-              <a:t>思维</a:t>
+              <a:t>简单密码</a:t>
             </a:r>
             <a:endParaRPr lang="zh-CN" altLang="en-US" dirty="0"/>
           </a:p>
         </p:txBody>
       </p:sp>
-      <p:pic>
-        <p:nvPicPr>
-          <p:cNvPr id="4" name="内容占位符 3"/>
-          <p:cNvPicPr>
-            <a:picLocks noGrp="1" noChangeAspect="1"/>
-          </p:cNvPicPr>
+      <p:sp>
+        <p:nvSpPr>
+          <p:cNvPr id="3" name="内容占位符 2"/>
+          <p:cNvSpPr>
+            <a:spLocks noGrp="1"/>
+          </p:cNvSpPr>
           <p:nvPr>
             <p:ph idx="1"/>
           </p:nvPr>
-        </p:nvPicPr>
-        <p:blipFill>
-          <a:blip r:embed="rId2"/>
-          <a:stretch>
-            <a:fillRect/>
-          </a:stretch>
-        </p:blipFill>
-        <p:spPr>
-          <a:xfrm>
-            <a:off x="838200" y="2259134"/>
-            <a:ext cx="7367278" cy="2604413"/>
-          </a:xfrm>
-          <a:prstGeom prst="rect">
-            <a:avLst/>
-          </a:prstGeom>
-        </p:spPr>
-      </p:pic>
+        </p:nvSpPr>
+        <p:spPr/>
+        <p:txBody>
+          <a:bodyPr/>
+          <a:lstStyle/>
+          <a:p>
+            <a:pPr marL="0" indent="0">
+              <a:buNone/>
+            </a:pPr>
+            <a:r>
+              <a:rPr lang="zh-CN" altLang="en-US" sz="6000" dirty="0" smtClean="0"/>
+              <a:t>走</a:t>
+            </a:r>
+            <a:r>
+              <a:rPr lang="en-US" altLang="zh-CN" sz="6000" dirty="0" smtClean="0"/>
+              <a:t>3</a:t>
+            </a:r>
+            <a:r>
+              <a:rPr lang="zh-CN" altLang="en-US" sz="6000" dirty="0" smtClean="0"/>
+              <a:t>银</a:t>
+            </a:r>
+            <a:r>
+              <a:rPr lang="en-US" altLang="zh-CN" sz="6000" dirty="0" smtClean="0"/>
+              <a:t>2</a:t>
+            </a:r>
+            <a:r>
+              <a:rPr lang="zh-CN" altLang="en-US" sz="6000" dirty="0" smtClean="0"/>
+              <a:t>金</a:t>
+            </a:r>
+            <a:r>
+              <a:rPr lang="en-US" altLang="zh-CN" sz="6000" dirty="0" smtClean="0"/>
+              <a:t>2</a:t>
+            </a:r>
+            <a:r>
+              <a:rPr lang="zh-CN" altLang="en-US" sz="6000" dirty="0" smtClean="0"/>
+              <a:t>王</a:t>
+            </a:r>
+            <a:r>
+              <a:rPr lang="en-US" altLang="zh-CN" sz="6000" dirty="0" smtClean="0"/>
+              <a:t>3</a:t>
+            </a:r>
+          </a:p>
+          <a:p>
+            <a:endParaRPr lang="en-US" altLang="zh-CN" dirty="0"/>
+          </a:p>
+          <a:p>
+            <a:r>
+              <a:rPr lang="en-US" altLang="zh-CN" dirty="0" smtClean="0"/>
+              <a:t>A.  Alone</a:t>
+            </a:r>
+          </a:p>
+          <a:p>
+            <a:r>
+              <a:rPr lang="en-US" altLang="zh-CN" dirty="0" smtClean="0"/>
+              <a:t>B . Lion</a:t>
+            </a:r>
+          </a:p>
+          <a:p>
+            <a:r>
+              <a:rPr lang="en-US" altLang="zh-CN" dirty="0" smtClean="0"/>
+              <a:t>C . Wind</a:t>
+            </a:r>
+          </a:p>
+          <a:p>
+            <a:r>
+              <a:rPr lang="en-US" altLang="zh-CN" dirty="0" smtClean="0"/>
+              <a:t>D . long</a:t>
+            </a:r>
+            <a:endParaRPr lang="zh-CN" altLang="en-US" dirty="0"/>
+          </a:p>
+        </p:txBody>
+      </p:sp>
     </p:spTree>
     <p:extLst>
       <p:ext uri="{BB962C8B-B14F-4D97-AF65-F5344CB8AC3E}">
-        <p14:creationId xmlns:p14="http://schemas.microsoft.com/office/powerpoint/2010/main" val="877160883"/>
+        <p14:creationId xmlns:p14="http://schemas.microsoft.com/office/powerpoint/2010/main" val="4065709438"/>
       </p:ext>
     </p:extLst>
   </p:cSld>
@@ -4154,147 +4201,6 @@
           <a:p>
             <a:r>
               <a:rPr lang="zh-CN" altLang="en-US" dirty="0" smtClean="0"/>
-              <a:t>简单密码</a:t>
-            </a:r>
-            <a:endParaRPr lang="zh-CN" altLang="en-US" dirty="0"/>
-          </a:p>
-        </p:txBody>
-      </p:sp>
-      <p:sp>
-        <p:nvSpPr>
-          <p:cNvPr id="3" name="内容占位符 2"/>
-          <p:cNvSpPr>
-            <a:spLocks noGrp="1"/>
-          </p:cNvSpPr>
-          <p:nvPr>
-            <p:ph idx="1"/>
-          </p:nvPr>
-        </p:nvSpPr>
-        <p:spPr/>
-        <p:txBody>
-          <a:bodyPr/>
-          <a:lstStyle/>
-          <a:p>
-            <a:pPr marL="0" indent="0">
-              <a:buNone/>
-            </a:pPr>
-            <a:r>
-              <a:rPr lang="zh-CN" altLang="en-US" sz="6000" dirty="0" smtClean="0"/>
-              <a:t>走</a:t>
-            </a:r>
-            <a:r>
-              <a:rPr lang="en-US" altLang="zh-CN" sz="6000" dirty="0" smtClean="0"/>
-              <a:t>3</a:t>
-            </a:r>
-            <a:r>
-              <a:rPr lang="zh-CN" altLang="en-US" sz="6000" dirty="0" smtClean="0"/>
-              <a:t>银</a:t>
-            </a:r>
-            <a:r>
-              <a:rPr lang="en-US" altLang="zh-CN" sz="6000" dirty="0" smtClean="0"/>
-              <a:t>2</a:t>
-            </a:r>
-            <a:r>
-              <a:rPr lang="zh-CN" altLang="en-US" sz="6000" dirty="0" smtClean="0"/>
-              <a:t>金</a:t>
-            </a:r>
-            <a:r>
-              <a:rPr lang="en-US" altLang="zh-CN" sz="6000" dirty="0" smtClean="0"/>
-              <a:t>2</a:t>
-            </a:r>
-            <a:r>
-              <a:rPr lang="zh-CN" altLang="en-US" sz="6000" dirty="0" smtClean="0"/>
-              <a:t>王</a:t>
-            </a:r>
-            <a:r>
-              <a:rPr lang="en-US" altLang="zh-CN" sz="6000" dirty="0" smtClean="0"/>
-              <a:t>3</a:t>
-            </a:r>
-          </a:p>
-          <a:p>
-            <a:endParaRPr lang="en-US" altLang="zh-CN" dirty="0"/>
-          </a:p>
-          <a:p>
-            <a:r>
-              <a:rPr lang="en-US" altLang="zh-CN" dirty="0" smtClean="0"/>
-              <a:t>A.  Alone</a:t>
-            </a:r>
-          </a:p>
-          <a:p>
-            <a:r>
-              <a:rPr lang="en-US" altLang="zh-CN" dirty="0" smtClean="0"/>
-              <a:t>B . Lion</a:t>
-            </a:r>
-          </a:p>
-          <a:p>
-            <a:r>
-              <a:rPr lang="en-US" altLang="zh-CN" dirty="0" smtClean="0"/>
-              <a:t>C . Wind</a:t>
-            </a:r>
-          </a:p>
-          <a:p>
-            <a:r>
-              <a:rPr lang="en-US" altLang="zh-CN" dirty="0" smtClean="0"/>
-              <a:t>D . long</a:t>
-            </a:r>
-            <a:endParaRPr lang="zh-CN" altLang="en-US" dirty="0"/>
-          </a:p>
-        </p:txBody>
-      </p:sp>
-    </p:spTree>
-    <p:extLst>
-      <p:ext uri="{BB962C8B-B14F-4D97-AF65-F5344CB8AC3E}">
-        <p14:creationId xmlns:p14="http://schemas.microsoft.com/office/powerpoint/2010/main" val="4065709438"/>
-      </p:ext>
-    </p:extLst>
-  </p:cSld>
-  <p:clrMapOvr>
-    <a:masterClrMapping/>
-  </p:clrMapOvr>
-  <p:timing>
-    <p:tnLst>
-      <p:par>
-        <p:cTn id="1" dur="indefinite" restart="never" nodeType="tmRoot"/>
-      </p:par>
-    </p:tnLst>
-  </p:timing>
-</p:sld>
-</file>
-
-<file path=ppt/slides/slide8.xml><?xml version="1.0" encoding="utf-8"?>
-<p:sld xmlns:a="http://schemas.openxmlformats.org/drawingml/2006/main" xmlns:r="http://schemas.openxmlformats.org/officeDocument/2006/relationships" xmlns:p="http://schemas.openxmlformats.org/presentationml/2006/main">
-  <p:cSld>
-    <p:spTree>
-      <p:nvGrpSpPr>
-        <p:cNvPr id="1" name=""/>
-        <p:cNvGrpSpPr/>
-        <p:nvPr/>
-      </p:nvGrpSpPr>
-      <p:grpSpPr>
-        <a:xfrm>
-          <a:off x="0" y="0"/>
-          <a:ext cx="0" cy="0"/>
-          <a:chOff x="0" y="0"/>
-          <a:chExt cx="0" cy="0"/>
-        </a:xfrm>
-      </p:grpSpPr>
-      <p:sp>
-        <p:nvSpPr>
-          <p:cNvPr id="2" name="标题 1"/>
-          <p:cNvSpPr>
-            <a:spLocks noGrp="1"/>
-          </p:cNvSpPr>
-          <p:nvPr>
-            <p:ph type="title"/>
-          </p:nvPr>
-        </p:nvSpPr>
-        <p:spPr/>
-        <p:txBody>
-          <a:bodyPr/>
-          <a:lstStyle/>
-          <a:p>
-            <a:r>
-              <a:rPr lang="zh-CN" altLang="en-US" dirty="0" smtClean="0"/>
               <a:t>生物学家</a:t>
             </a:r>
             <a:endParaRPr lang="zh-CN" altLang="en-US" dirty="0"/>
@@ -4364,7 +4270,7 @@
 </p:sld>
 </file>
 
-<file path=ppt/slides/slide9.xml><?xml version="1.0" encoding="utf-8"?>
+<file path=ppt/slides/slide8.xml><?xml version="1.0" encoding="utf-8"?>
 <p:sld xmlns:a="http://schemas.openxmlformats.org/drawingml/2006/main" xmlns:r="http://schemas.openxmlformats.org/officeDocument/2006/relationships" xmlns:p="http://schemas.openxmlformats.org/presentationml/2006/main">
   <p:cSld>
     <p:spTree>
@@ -4398,15 +4304,7 @@
           <a:p>
             <a:r>
               <a:rPr lang="zh-CN" altLang="en-US" dirty="0" smtClean="0"/>
-              <a:t>程序</a:t>
-            </a:r>
-            <a:r>
-              <a:rPr lang="zh-CN" altLang="en-US" dirty="0"/>
-              <a:t>员</a:t>
-            </a:r>
-            <a:r>
-              <a:rPr lang="zh-CN" altLang="en-US" dirty="0" smtClean="0"/>
-              <a:t>思维</a:t>
+              <a:t>程序员 思维</a:t>
             </a:r>
             <a:endParaRPr lang="zh-CN" altLang="en-US" dirty="0"/>
           </a:p>
@@ -4442,6 +4340,100 @@
     <p:extLst>
       <p:ext uri="{BB962C8B-B14F-4D97-AF65-F5344CB8AC3E}">
         <p14:creationId xmlns:p14="http://schemas.microsoft.com/office/powerpoint/2010/main" val="4003351855"/>
+      </p:ext>
+    </p:extLst>
+  </p:cSld>
+  <p:clrMapOvr>
+    <a:masterClrMapping/>
+  </p:clrMapOvr>
+  <p:timing>
+    <p:tnLst>
+      <p:par>
+        <p:cTn id="1" dur="indefinite" restart="never" nodeType="tmRoot"/>
+      </p:par>
+    </p:tnLst>
+  </p:timing>
+</p:sld>
+</file>
+
+<file path=ppt/slides/slide9.xml><?xml version="1.0" encoding="utf-8"?>
+<p:sld xmlns:a="http://schemas.openxmlformats.org/drawingml/2006/main" xmlns:r="http://schemas.openxmlformats.org/officeDocument/2006/relationships" xmlns:p="http://schemas.openxmlformats.org/presentationml/2006/main">
+  <p:cSld>
+    <p:spTree>
+      <p:nvGrpSpPr>
+        <p:cNvPr id="1" name=""/>
+        <p:cNvGrpSpPr/>
+        <p:nvPr/>
+      </p:nvGrpSpPr>
+      <p:grpSpPr>
+        <a:xfrm>
+          <a:off x="0" y="0"/>
+          <a:ext cx="0" cy="0"/>
+          <a:chOff x="0" y="0"/>
+          <a:chExt cx="0" cy="0"/>
+        </a:xfrm>
+      </p:grpSpPr>
+      <p:sp>
+        <p:nvSpPr>
+          <p:cNvPr id="2" name="标题 1"/>
+          <p:cNvSpPr>
+            <a:spLocks noGrp="1"/>
+          </p:cNvSpPr>
+          <p:nvPr>
+            <p:ph type="title"/>
+          </p:nvPr>
+        </p:nvSpPr>
+        <p:spPr/>
+        <p:txBody>
+          <a:bodyPr/>
+          <a:lstStyle/>
+          <a:p>
+            <a:r>
+              <a:rPr lang="zh-CN" altLang="en-US" dirty="0" smtClean="0"/>
+              <a:t>程序媛</a:t>
+            </a:r>
+            <a:r>
+              <a:rPr lang="en-US" altLang="zh-CN" dirty="0" smtClean="0"/>
+              <a:t> </a:t>
+            </a:r>
+            <a:r>
+              <a:rPr lang="zh-CN" altLang="en-US" dirty="0" smtClean="0"/>
+              <a:t>思维</a:t>
+            </a:r>
+            <a:endParaRPr lang="zh-CN" altLang="en-US" dirty="0"/>
+          </a:p>
+        </p:txBody>
+      </p:sp>
+      <p:pic>
+        <p:nvPicPr>
+          <p:cNvPr id="4" name="内容占位符 3"/>
+          <p:cNvPicPr>
+            <a:picLocks noGrp="1" noChangeAspect="1"/>
+          </p:cNvPicPr>
+          <p:nvPr>
+            <p:ph idx="1"/>
+          </p:nvPr>
+        </p:nvPicPr>
+        <p:blipFill>
+          <a:blip r:embed="rId2"/>
+          <a:stretch>
+            <a:fillRect/>
+          </a:stretch>
+        </p:blipFill>
+        <p:spPr>
+          <a:xfrm>
+            <a:off x="838200" y="2259134"/>
+            <a:ext cx="7367278" cy="2604413"/>
+          </a:xfrm>
+          <a:prstGeom prst="rect">
+            <a:avLst/>
+          </a:prstGeom>
+        </p:spPr>
+      </p:pic>
+    </p:spTree>
+    <p:extLst>
+      <p:ext uri="{BB962C8B-B14F-4D97-AF65-F5344CB8AC3E}">
+        <p14:creationId xmlns:p14="http://schemas.microsoft.com/office/powerpoint/2010/main" val="877160883"/>
       </p:ext>
     </p:extLst>
   </p:cSld>
